--- a/src/inputOutput.pptx
+++ b/src/inputOutput.pptx
@@ -7,6 +7,13 @@
   <p:sldIdLst>
     <p:sldId id="256" r:id="rId2"/>
     <p:sldId id="258" r:id="rId3"/>
+    <p:sldId id="259" r:id="rId4"/>
+    <p:sldId id="264" r:id="rId5"/>
+    <p:sldId id="266" r:id="rId6"/>
+    <p:sldId id="260" r:id="rId7"/>
+    <p:sldId id="261" r:id="rId8"/>
+    <p:sldId id="262" r:id="rId9"/>
+    <p:sldId id="263" r:id="rId10"/>
   </p:sldIdLst>
   <p:sldSz cx="12192000" cy="6858000"/>
   <p:notesSz cx="6858000" cy="9144000"/>
@@ -105,6 +112,11 @@
       </a:defRPr>
     </a:lvl9pPr>
   </p:defaultTextStyle>
+  <p:extLst>
+    <p:ext uri="{EFAFB233-063F-42B5-8137-9DF3F51BA10A}">
+      <p15:sldGuideLst xmlns:p15="http://schemas.microsoft.com/office/powerpoint/2012/main"/>
+    </p:ext>
+  </p:extLst>
 </p:presentation>
 </file>
 
@@ -255,7 +267,7 @@
           <a:p>
             <a:fld id="{0DD4BD44-66B1-4869-9E2A-49451F3E3E68}" type="datetimeFigureOut">
               <a:rPr lang="en-US" smtClean="0"/>
-              <a:t>9/10/2021</a:t>
+              <a:t>7/25/2022</a:t>
             </a:fld>
             <a:endParaRPr lang="en-US"/>
           </a:p>
@@ -453,7 +465,7 @@
           <a:p>
             <a:fld id="{0DD4BD44-66B1-4869-9E2A-49451F3E3E68}" type="datetimeFigureOut">
               <a:rPr lang="en-US" smtClean="0"/>
-              <a:t>9/10/2021</a:t>
+              <a:t>7/25/2022</a:t>
             </a:fld>
             <a:endParaRPr lang="en-US"/>
           </a:p>
@@ -661,7 +673,7 @@
           <a:p>
             <a:fld id="{0DD4BD44-66B1-4869-9E2A-49451F3E3E68}" type="datetimeFigureOut">
               <a:rPr lang="en-US" smtClean="0"/>
-              <a:t>9/10/2021</a:t>
+              <a:t>7/25/2022</a:t>
             </a:fld>
             <a:endParaRPr lang="en-US"/>
           </a:p>
@@ -859,7 +871,7 @@
           <a:p>
             <a:fld id="{0DD4BD44-66B1-4869-9E2A-49451F3E3E68}" type="datetimeFigureOut">
               <a:rPr lang="en-US" smtClean="0"/>
-              <a:t>9/10/2021</a:t>
+              <a:t>7/25/2022</a:t>
             </a:fld>
             <a:endParaRPr lang="en-US"/>
           </a:p>
@@ -1134,7 +1146,7 @@
           <a:p>
             <a:fld id="{0DD4BD44-66B1-4869-9E2A-49451F3E3E68}" type="datetimeFigureOut">
               <a:rPr lang="en-US" smtClean="0"/>
-              <a:t>9/10/2021</a:t>
+              <a:t>7/25/2022</a:t>
             </a:fld>
             <a:endParaRPr lang="en-US"/>
           </a:p>
@@ -1399,7 +1411,7 @@
           <a:p>
             <a:fld id="{0DD4BD44-66B1-4869-9E2A-49451F3E3E68}" type="datetimeFigureOut">
               <a:rPr lang="en-US" smtClean="0"/>
-              <a:t>9/10/2021</a:t>
+              <a:t>7/25/2022</a:t>
             </a:fld>
             <a:endParaRPr lang="en-US"/>
           </a:p>
@@ -1811,7 +1823,7 @@
           <a:p>
             <a:fld id="{0DD4BD44-66B1-4869-9E2A-49451F3E3E68}" type="datetimeFigureOut">
               <a:rPr lang="en-US" smtClean="0"/>
-              <a:t>9/10/2021</a:t>
+              <a:t>7/25/2022</a:t>
             </a:fld>
             <a:endParaRPr lang="en-US"/>
           </a:p>
@@ -1952,7 +1964,7 @@
           <a:p>
             <a:fld id="{0DD4BD44-66B1-4869-9E2A-49451F3E3E68}" type="datetimeFigureOut">
               <a:rPr lang="en-US" smtClean="0"/>
-              <a:t>9/10/2021</a:t>
+              <a:t>7/25/2022</a:t>
             </a:fld>
             <a:endParaRPr lang="en-US"/>
           </a:p>
@@ -2065,7 +2077,7 @@
           <a:p>
             <a:fld id="{0DD4BD44-66B1-4869-9E2A-49451F3E3E68}" type="datetimeFigureOut">
               <a:rPr lang="en-US" smtClean="0"/>
-              <a:t>9/10/2021</a:t>
+              <a:t>7/25/2022</a:t>
             </a:fld>
             <a:endParaRPr lang="en-US"/>
           </a:p>
@@ -2376,7 +2388,7 @@
           <a:p>
             <a:fld id="{0DD4BD44-66B1-4869-9E2A-49451F3E3E68}" type="datetimeFigureOut">
               <a:rPr lang="en-US" smtClean="0"/>
-              <a:t>9/10/2021</a:t>
+              <a:t>7/25/2022</a:t>
             </a:fld>
             <a:endParaRPr lang="en-US"/>
           </a:p>
@@ -2664,7 +2676,7 @@
           <a:p>
             <a:fld id="{0DD4BD44-66B1-4869-9E2A-49451F3E3E68}" type="datetimeFigureOut">
               <a:rPr lang="en-US" smtClean="0"/>
-              <a:t>9/10/2021</a:t>
+              <a:t>7/25/2022</a:t>
             </a:fld>
             <a:endParaRPr lang="en-US"/>
           </a:p>
@@ -2905,7 +2917,7 @@
           <a:p>
             <a:fld id="{0DD4BD44-66B1-4869-9E2A-49451F3E3E68}" type="datetimeFigureOut">
               <a:rPr lang="en-US" smtClean="0"/>
-              <a:t>9/10/2021</a:t>
+              <a:t>7/25/2022</a:t>
             </a:fld>
             <a:endParaRPr lang="en-US"/>
           </a:p>
@@ -4546,6 +4558,4170 @@
 </p:sld>
 </file>
 
+<file path=ppt/slides/slide3.xml><?xml version="1.0" encoding="utf-8"?>
+<p:sld xmlns:a="http://schemas.openxmlformats.org/drawingml/2006/main" xmlns:r="http://schemas.openxmlformats.org/officeDocument/2006/relationships" xmlns:p="http://schemas.openxmlformats.org/presentationml/2006/main">
+  <p:cSld>
+    <p:spTree>
+      <p:nvGrpSpPr>
+        <p:cNvPr id="1" name=""/>
+        <p:cNvGrpSpPr/>
+        <p:nvPr/>
+      </p:nvGrpSpPr>
+      <p:grpSpPr>
+        <a:xfrm>
+          <a:off x="0" y="0"/>
+          <a:ext cx="0" cy="0"/>
+          <a:chOff x="0" y="0"/>
+          <a:chExt cx="0" cy="0"/>
+        </a:xfrm>
+      </p:grpSpPr>
+      <p:sp>
+        <p:nvSpPr>
+          <p:cNvPr id="5" name="Rectangle 4">
+            <a:extLst>
+              <a:ext uri="{FF2B5EF4-FFF2-40B4-BE49-F238E27FC236}">
+                <a16:creationId xmlns:a16="http://schemas.microsoft.com/office/drawing/2014/main" id="{0FE036C9-1864-4807-B145-12E1769F970B}"/>
+              </a:ext>
+            </a:extLst>
+          </p:cNvPr>
+          <p:cNvSpPr/>
+          <p:nvPr/>
+        </p:nvSpPr>
+        <p:spPr>
+          <a:xfrm>
+            <a:off x="4893012" y="2447479"/>
+            <a:ext cx="2405976" cy="1288680"/>
+          </a:xfrm>
+          <a:prstGeom prst="rect">
+            <a:avLst/>
+          </a:prstGeom>
+          <a:noFill/>
+          <a:ln>
+            <a:solidFill>
+              <a:schemeClr val="tx1"/>
+            </a:solidFill>
+          </a:ln>
+        </p:spPr>
+        <p:style>
+          <a:lnRef idx="2">
+            <a:schemeClr val="accent1">
+              <a:shade val="50000"/>
+            </a:schemeClr>
+          </a:lnRef>
+          <a:fillRef idx="1">
+            <a:schemeClr val="accent1"/>
+          </a:fillRef>
+          <a:effectRef idx="0">
+            <a:schemeClr val="accent1"/>
+          </a:effectRef>
+          <a:fontRef idx="minor">
+            <a:schemeClr val="lt1"/>
+          </a:fontRef>
+        </p:style>
+        <p:txBody>
+          <a:bodyPr rtlCol="0" anchor="ctr"/>
+          <a:lstStyle/>
+          <a:p>
+            <a:pPr algn="ctr"/>
+            <a:endParaRPr lang="en-US"/>
+          </a:p>
+        </p:txBody>
+      </p:sp>
+      <p:grpSp>
+        <p:nvGrpSpPr>
+          <p:cNvPr id="2" name="Group 1">
+            <a:extLst>
+              <a:ext uri="{FF2B5EF4-FFF2-40B4-BE49-F238E27FC236}">
+                <a16:creationId xmlns:a16="http://schemas.microsoft.com/office/drawing/2014/main" id="{0816705B-3E0C-47C5-A393-E2D4492B7997}"/>
+              </a:ext>
+            </a:extLst>
+          </p:cNvPr>
+          <p:cNvGrpSpPr/>
+          <p:nvPr/>
+        </p:nvGrpSpPr>
+        <p:grpSpPr>
+          <a:xfrm>
+            <a:off x="4979074" y="2695754"/>
+            <a:ext cx="2170351" cy="814008"/>
+            <a:chOff x="4830902" y="3942350"/>
+            <a:chExt cx="2170351" cy="814008"/>
+          </a:xfrm>
+        </p:grpSpPr>
+        <p:pic>
+          <p:nvPicPr>
+            <p:cNvPr id="3" name="Picture 2">
+              <a:extLst>
+                <a:ext uri="{FF2B5EF4-FFF2-40B4-BE49-F238E27FC236}">
+                  <a16:creationId xmlns:a16="http://schemas.microsoft.com/office/drawing/2014/main" id="{8982999C-5FF0-42B0-A036-A4DB3BB5637E}"/>
+                </a:ext>
+              </a:extLst>
+            </p:cNvPr>
+            <p:cNvPicPr>
+              <a:picLocks noChangeAspect="1"/>
+            </p:cNvPicPr>
+            <p:nvPr/>
+          </p:nvPicPr>
+          <p:blipFill>
+            <a:blip r:embed="rId2">
+              <a:clrChange>
+                <a:clrFrom>
+                  <a:srgbClr val="FFFFFF"/>
+                </a:clrFrom>
+                <a:clrTo>
+                  <a:srgbClr val="FFFFFF">
+                    <a:alpha val="0"/>
+                  </a:srgbClr>
+                </a:clrTo>
+              </a:clrChange>
+            </a:blip>
+            <a:stretch>
+              <a:fillRect/>
+            </a:stretch>
+          </p:blipFill>
+          <p:spPr>
+            <a:xfrm>
+              <a:off x="5694321" y="3942350"/>
+              <a:ext cx="1306932" cy="651507"/>
+            </a:xfrm>
+            <a:prstGeom prst="rect">
+              <a:avLst/>
+            </a:prstGeom>
+            <a:noFill/>
+            <a:ln>
+              <a:noFill/>
+            </a:ln>
+          </p:spPr>
+        </p:pic>
+        <p:sp>
+          <p:nvSpPr>
+            <p:cNvPr id="4" name="TextBox 3">
+              <a:extLst>
+                <a:ext uri="{FF2B5EF4-FFF2-40B4-BE49-F238E27FC236}">
+                  <a16:creationId xmlns:a16="http://schemas.microsoft.com/office/drawing/2014/main" id="{4F6A32BB-BFBF-4D69-AF9E-3C45747098FB}"/>
+                </a:ext>
+              </a:extLst>
+            </p:cNvPr>
+            <p:cNvSpPr txBox="1"/>
+            <p:nvPr/>
+          </p:nvSpPr>
+          <p:spPr>
+            <a:xfrm>
+              <a:off x="4830902" y="3986917"/>
+              <a:ext cx="1627369" cy="769441"/>
+            </a:xfrm>
+            <a:prstGeom prst="rect">
+              <a:avLst/>
+            </a:prstGeom>
+            <a:noFill/>
+          </p:spPr>
+          <p:txBody>
+            <a:bodyPr wrap="none" rtlCol="0">
+              <a:spAutoFit/>
+            </a:bodyPr>
+            <a:lstStyle/>
+            <a:p>
+              <a:r>
+                <a:rPr lang="en-US" sz="4400" i="1" dirty="0">
+                  <a:solidFill>
+                    <a:srgbClr val="502800"/>
+                  </a:solidFill>
+                  <a:latin typeface="Arial" panose="020B0604020202020204" pitchFamily="34" charset="0"/>
+                  <a:cs typeface="Arial" panose="020B0604020202020204" pitchFamily="34" charset="0"/>
+                </a:rPr>
+                <a:t>CoFE</a:t>
+              </a:r>
+              <a:endParaRPr lang="en-US" sz="4000" i="1" dirty="0">
+                <a:solidFill>
+                  <a:srgbClr val="502800"/>
+                </a:solidFill>
+                <a:latin typeface="Arial" panose="020B0604020202020204" pitchFamily="34" charset="0"/>
+                <a:cs typeface="Arial" panose="020B0604020202020204" pitchFamily="34" charset="0"/>
+              </a:endParaRPr>
+            </a:p>
+          </p:txBody>
+        </p:sp>
+      </p:grpSp>
+      <p:sp>
+        <p:nvSpPr>
+          <p:cNvPr id="12" name="TextBox 11">
+            <a:extLst>
+              <a:ext uri="{FF2B5EF4-FFF2-40B4-BE49-F238E27FC236}">
+                <a16:creationId xmlns:a16="http://schemas.microsoft.com/office/drawing/2014/main" id="{4656BBD4-F99E-4BB8-9011-2B0DE1B74A9E}"/>
+              </a:ext>
+            </a:extLst>
+          </p:cNvPr>
+          <p:cNvSpPr txBox="1"/>
+          <p:nvPr/>
+        </p:nvSpPr>
+        <p:spPr>
+          <a:xfrm>
+            <a:off x="3226815" y="2181887"/>
+            <a:ext cx="1182774" cy="261610"/>
+          </a:xfrm>
+          <a:prstGeom prst="rect">
+            <a:avLst/>
+          </a:prstGeom>
+          <a:solidFill>
+            <a:schemeClr val="tx1">
+              <a:lumMod val="65000"/>
+              <a:lumOff val="35000"/>
+            </a:schemeClr>
+          </a:solidFill>
+          <a:ln w="12700">
+            <a:solidFill>
+              <a:schemeClr val="tx1">
+                <a:lumMod val="65000"/>
+                <a:lumOff val="35000"/>
+              </a:schemeClr>
+            </a:solidFill>
+          </a:ln>
+        </p:spPr>
+        <p:txBody>
+          <a:bodyPr wrap="square">
+            <a:spAutoFit/>
+          </a:bodyPr>
+          <a:lstStyle/>
+          <a:p>
+            <a:r>
+              <a:rPr lang="en-US" sz="1100" b="1" dirty="0">
+                <a:solidFill>
+                  <a:schemeClr val="bg1"/>
+                </a:solidFill>
+                <a:latin typeface="Courier New" panose="02070309020205020404" pitchFamily="49" charset="0"/>
+                <a:cs typeface="Courier New" panose="02070309020205020404" pitchFamily="49" charset="0"/>
+              </a:rPr>
+              <a:t>example.dat</a:t>
+            </a:r>
+          </a:p>
+        </p:txBody>
+      </p:sp>
+      <p:sp>
+        <p:nvSpPr>
+          <p:cNvPr id="13" name="TextBox 12">
+            <a:extLst>
+              <a:ext uri="{FF2B5EF4-FFF2-40B4-BE49-F238E27FC236}">
+                <a16:creationId xmlns:a16="http://schemas.microsoft.com/office/drawing/2014/main" id="{8693CFE8-39EE-4F1C-9787-CC51A794D908}"/>
+              </a:ext>
+            </a:extLst>
+          </p:cNvPr>
+          <p:cNvSpPr txBox="1"/>
+          <p:nvPr/>
+        </p:nvSpPr>
+        <p:spPr>
+          <a:xfrm>
+            <a:off x="4893012" y="2180454"/>
+            <a:ext cx="2405976" cy="261610"/>
+          </a:xfrm>
+          <a:prstGeom prst="rect">
+            <a:avLst/>
+          </a:prstGeom>
+          <a:solidFill>
+            <a:schemeClr val="tx1">
+              <a:lumMod val="65000"/>
+              <a:lumOff val="35000"/>
+            </a:schemeClr>
+          </a:solidFill>
+          <a:ln w="12700">
+            <a:solidFill>
+              <a:schemeClr val="tx1">
+                <a:lumMod val="65000"/>
+                <a:lumOff val="35000"/>
+              </a:schemeClr>
+            </a:solidFill>
+          </a:ln>
+        </p:spPr>
+        <p:txBody>
+          <a:bodyPr wrap="square">
+            <a:spAutoFit/>
+          </a:bodyPr>
+          <a:lstStyle/>
+          <a:p>
+            <a:r>
+              <a:rPr lang="en-US" sz="1100" b="1" dirty="0">
+                <a:solidFill>
+                  <a:schemeClr val="bg1"/>
+                </a:solidFill>
+                <a:latin typeface="Courier New" panose="02070309020205020404" pitchFamily="49" charset="0"/>
+                <a:cs typeface="Courier New" panose="02070309020205020404" pitchFamily="49" charset="0"/>
+              </a:rPr>
+              <a:t>&gt;&gt;out=</a:t>
+            </a:r>
+            <a:r>
+              <a:rPr lang="en-US" sz="1100" b="1" dirty="0" err="1">
+                <a:solidFill>
+                  <a:schemeClr val="bg1"/>
+                </a:solidFill>
+                <a:latin typeface="Courier New" panose="02070309020205020404" pitchFamily="49" charset="0"/>
+                <a:cs typeface="Courier New" panose="02070309020205020404" pitchFamily="49" charset="0"/>
+              </a:rPr>
+              <a:t>Cofe</a:t>
+            </a:r>
+            <a:r>
+              <a:rPr lang="en-US" sz="1100" b="1" dirty="0">
+                <a:solidFill>
+                  <a:schemeClr val="bg1"/>
+                </a:solidFill>
+                <a:latin typeface="Courier New" panose="02070309020205020404" pitchFamily="49" charset="0"/>
+                <a:cs typeface="Courier New" panose="02070309020205020404" pitchFamily="49" charset="0"/>
+              </a:rPr>
+              <a:t>(‘example.dat’);</a:t>
+            </a:r>
+          </a:p>
+        </p:txBody>
+      </p:sp>
+      <p:sp>
+        <p:nvSpPr>
+          <p:cNvPr id="14" name="TextBox 13">
+            <a:extLst>
+              <a:ext uri="{FF2B5EF4-FFF2-40B4-BE49-F238E27FC236}">
+                <a16:creationId xmlns:a16="http://schemas.microsoft.com/office/drawing/2014/main" id="{CD632B0A-E3E4-4CC0-B9D1-04B5BA5055FC}"/>
+              </a:ext>
+            </a:extLst>
+          </p:cNvPr>
+          <p:cNvSpPr txBox="1"/>
+          <p:nvPr/>
+        </p:nvSpPr>
+        <p:spPr>
+          <a:xfrm>
+            <a:off x="7793759" y="3182161"/>
+            <a:ext cx="1182774" cy="553998"/>
+          </a:xfrm>
+          <a:prstGeom prst="rect">
+            <a:avLst/>
+          </a:prstGeom>
+          <a:noFill/>
+          <a:ln w="12700">
+            <a:solidFill>
+              <a:schemeClr val="tx1"/>
+            </a:solidFill>
+          </a:ln>
+        </p:spPr>
+        <p:txBody>
+          <a:bodyPr wrap="square">
+            <a:spAutoFit/>
+          </a:bodyPr>
+          <a:lstStyle>
+            <a:defPPr>
+              <a:defRPr lang="en-US"/>
+            </a:defPPr>
+            <a:lvl1pPr>
+              <a:defRPr sz="1000">
+                <a:latin typeface="Arial" panose="020B0604020202020204" pitchFamily="34" charset="0"/>
+                <a:cs typeface="Arial" panose="020B0604020202020204" pitchFamily="34" charset="0"/>
+              </a:defRPr>
+            </a:lvl1pPr>
+          </a:lstStyle>
+          <a:p>
+            <a:r>
+              <a:rPr lang="en-US" dirty="0"/>
+              <a:t>MSC Nastran-Format HDF5 Result Database</a:t>
+            </a:r>
+          </a:p>
+        </p:txBody>
+      </p:sp>
+      <p:sp>
+        <p:nvSpPr>
+          <p:cNvPr id="15" name="TextBox 14">
+            <a:extLst>
+              <a:ext uri="{FF2B5EF4-FFF2-40B4-BE49-F238E27FC236}">
+                <a16:creationId xmlns:a16="http://schemas.microsoft.com/office/drawing/2014/main" id="{BA1459A2-D924-4F0B-8857-8F829BD2E1EA}"/>
+              </a:ext>
+            </a:extLst>
+          </p:cNvPr>
+          <p:cNvSpPr txBox="1"/>
+          <p:nvPr/>
+        </p:nvSpPr>
+        <p:spPr>
+          <a:xfrm>
+            <a:off x="7793230" y="2920551"/>
+            <a:ext cx="1182774" cy="261610"/>
+          </a:xfrm>
+          <a:prstGeom prst="rect">
+            <a:avLst/>
+          </a:prstGeom>
+          <a:solidFill>
+            <a:schemeClr val="tx1">
+              <a:lumMod val="65000"/>
+              <a:lumOff val="35000"/>
+            </a:schemeClr>
+          </a:solidFill>
+          <a:ln w="12700">
+            <a:solidFill>
+              <a:schemeClr val="tx1">
+                <a:lumMod val="65000"/>
+                <a:lumOff val="35000"/>
+              </a:schemeClr>
+            </a:solidFill>
+          </a:ln>
+        </p:spPr>
+        <p:txBody>
+          <a:bodyPr wrap="square">
+            <a:spAutoFit/>
+          </a:bodyPr>
+          <a:lstStyle/>
+          <a:p>
+            <a:r>
+              <a:rPr lang="en-US" sz="1100" b="1" dirty="0">
+                <a:solidFill>
+                  <a:schemeClr val="bg1"/>
+                </a:solidFill>
+                <a:latin typeface="Courier New" panose="02070309020205020404" pitchFamily="49" charset="0"/>
+                <a:cs typeface="Courier New" panose="02070309020205020404" pitchFamily="49" charset="0"/>
+              </a:rPr>
+              <a:t>example.h5</a:t>
+            </a:r>
+          </a:p>
+        </p:txBody>
+      </p:sp>
+      <p:sp>
+        <p:nvSpPr>
+          <p:cNvPr id="18" name="TextBox 17">
+            <a:extLst>
+              <a:ext uri="{FF2B5EF4-FFF2-40B4-BE49-F238E27FC236}">
+                <a16:creationId xmlns:a16="http://schemas.microsoft.com/office/drawing/2014/main" id="{F67C8020-63CA-4093-B2C5-3D778DDF81AA}"/>
+              </a:ext>
+            </a:extLst>
+          </p:cNvPr>
+          <p:cNvSpPr txBox="1"/>
+          <p:nvPr/>
+        </p:nvSpPr>
+        <p:spPr>
+          <a:xfrm>
+            <a:off x="7793759" y="2442064"/>
+            <a:ext cx="1194122" cy="400110"/>
+          </a:xfrm>
+          <a:prstGeom prst="rect">
+            <a:avLst/>
+          </a:prstGeom>
+          <a:noFill/>
+          <a:ln w="12700">
+            <a:solidFill>
+              <a:schemeClr val="tx1"/>
+            </a:solidFill>
+          </a:ln>
+        </p:spPr>
+        <p:txBody>
+          <a:bodyPr wrap="square">
+            <a:spAutoFit/>
+          </a:bodyPr>
+          <a:lstStyle/>
+          <a:p>
+            <a:r>
+              <a:rPr lang="en-US" sz="1000" dirty="0">
+                <a:latin typeface="Arial" panose="020B0604020202020204" pitchFamily="34" charset="0"/>
+                <a:cs typeface="Arial" panose="020B0604020202020204" pitchFamily="34" charset="0"/>
+              </a:rPr>
+              <a:t>Native model and solution data.</a:t>
+            </a:r>
+          </a:p>
+        </p:txBody>
+      </p:sp>
+      <p:sp>
+        <p:nvSpPr>
+          <p:cNvPr id="19" name="TextBox 18">
+            <a:extLst>
+              <a:ext uri="{FF2B5EF4-FFF2-40B4-BE49-F238E27FC236}">
+                <a16:creationId xmlns:a16="http://schemas.microsoft.com/office/drawing/2014/main" id="{1CF72F67-8A3B-4CEF-BD3C-152CAA1C44C8}"/>
+              </a:ext>
+            </a:extLst>
+          </p:cNvPr>
+          <p:cNvSpPr txBox="1"/>
+          <p:nvPr/>
+        </p:nvSpPr>
+        <p:spPr>
+          <a:xfrm>
+            <a:off x="7793759" y="2180454"/>
+            <a:ext cx="1194122" cy="261610"/>
+          </a:xfrm>
+          <a:prstGeom prst="rect">
+            <a:avLst/>
+          </a:prstGeom>
+          <a:solidFill>
+            <a:schemeClr val="tx1">
+              <a:lumMod val="65000"/>
+              <a:lumOff val="35000"/>
+            </a:schemeClr>
+          </a:solidFill>
+          <a:ln w="12700">
+            <a:solidFill>
+              <a:schemeClr val="tx1">
+                <a:lumMod val="65000"/>
+                <a:lumOff val="35000"/>
+              </a:schemeClr>
+            </a:solidFill>
+          </a:ln>
+        </p:spPr>
+        <p:txBody>
+          <a:bodyPr wrap="square">
+            <a:spAutoFit/>
+          </a:bodyPr>
+          <a:lstStyle/>
+          <a:p>
+            <a:r>
+              <a:rPr lang="en-US" sz="1100" b="1" dirty="0">
+                <a:solidFill>
+                  <a:schemeClr val="bg1"/>
+                </a:solidFill>
+                <a:latin typeface="Courier New" panose="02070309020205020404" pitchFamily="49" charset="0"/>
+                <a:cs typeface="Courier New" panose="02070309020205020404" pitchFamily="49" charset="0"/>
+              </a:rPr>
+              <a:t>out</a:t>
+            </a:r>
+          </a:p>
+        </p:txBody>
+      </p:sp>
+      <p:sp>
+        <p:nvSpPr>
+          <p:cNvPr id="26" name="TextBox 25">
+            <a:extLst>
+              <a:ext uri="{FF2B5EF4-FFF2-40B4-BE49-F238E27FC236}">
+                <a16:creationId xmlns:a16="http://schemas.microsoft.com/office/drawing/2014/main" id="{AF673CAB-3C00-4A90-BDBC-610473E6BE74}"/>
+              </a:ext>
+            </a:extLst>
+          </p:cNvPr>
+          <p:cNvSpPr txBox="1"/>
+          <p:nvPr/>
+        </p:nvSpPr>
+        <p:spPr>
+          <a:xfrm>
+            <a:off x="7220246" y="1905041"/>
+            <a:ext cx="849209" cy="338554"/>
+          </a:xfrm>
+          <a:prstGeom prst="rect">
+            <a:avLst/>
+          </a:prstGeom>
+          <a:noFill/>
+        </p:spPr>
+        <p:txBody>
+          <a:bodyPr wrap="square">
+            <a:spAutoFit/>
+          </a:bodyPr>
+          <a:lstStyle/>
+          <a:p>
+            <a:r>
+              <a:rPr lang="en-US" sz="800" i="1" dirty="0">
+                <a:latin typeface="Arial" panose="020B0604020202020204" pitchFamily="34" charset="0"/>
+                <a:cs typeface="Arial" panose="020B0604020202020204" pitchFamily="34" charset="0"/>
+              </a:rPr>
+              <a:t>To MATLAB workspace</a:t>
+            </a:r>
+          </a:p>
+        </p:txBody>
+      </p:sp>
+      <p:sp>
+        <p:nvSpPr>
+          <p:cNvPr id="27" name="TextBox 26">
+            <a:extLst>
+              <a:ext uri="{FF2B5EF4-FFF2-40B4-BE49-F238E27FC236}">
+                <a16:creationId xmlns:a16="http://schemas.microsoft.com/office/drawing/2014/main" id="{3B521F20-D030-4E72-B59A-BF3D80190B55}"/>
+              </a:ext>
+            </a:extLst>
+          </p:cNvPr>
+          <p:cNvSpPr txBox="1"/>
+          <p:nvPr/>
+        </p:nvSpPr>
+        <p:spPr>
+          <a:xfrm>
+            <a:off x="3215467" y="2452396"/>
+            <a:ext cx="1182774" cy="1323439"/>
+          </a:xfrm>
+          <a:prstGeom prst="rect">
+            <a:avLst/>
+          </a:prstGeom>
+          <a:noFill/>
+          <a:ln w="12700">
+            <a:noFill/>
+          </a:ln>
+        </p:spPr>
+        <p:txBody>
+          <a:bodyPr wrap="square">
+            <a:spAutoFit/>
+          </a:bodyPr>
+          <a:lstStyle/>
+          <a:p>
+            <a:r>
+              <a:rPr lang="en-US" sz="1000" dirty="0">
+                <a:latin typeface="Arial" panose="020B0604020202020204" pitchFamily="34" charset="0"/>
+                <a:cs typeface="Arial" panose="020B0604020202020204" pitchFamily="34" charset="0"/>
+              </a:rPr>
+              <a:t>$ Nastran-Format</a:t>
+            </a:r>
+          </a:p>
+          <a:p>
+            <a:r>
+              <a:rPr lang="en-US" sz="1000" dirty="0">
+                <a:latin typeface="Arial" panose="020B0604020202020204" pitchFamily="34" charset="0"/>
+                <a:cs typeface="Arial" panose="020B0604020202020204" pitchFamily="34" charset="0"/>
+              </a:rPr>
+              <a:t>$ Input File</a:t>
+            </a:r>
+          </a:p>
+          <a:p>
+            <a:r>
+              <a:rPr lang="en-US" sz="600" dirty="0">
+                <a:latin typeface="Courier New" panose="02070309020205020404" pitchFamily="49" charset="0"/>
+                <a:cs typeface="Courier New" panose="02070309020205020404" pitchFamily="49" charset="0"/>
+              </a:rPr>
+              <a:t>SOL ___</a:t>
+            </a:r>
+          </a:p>
+          <a:p>
+            <a:r>
+              <a:rPr lang="en-US" sz="600" dirty="0">
+                <a:latin typeface="Courier New" panose="02070309020205020404" pitchFamily="49" charset="0"/>
+                <a:cs typeface="Courier New" panose="02070309020205020404" pitchFamily="49" charset="0"/>
+              </a:rPr>
+              <a:t>CEND</a:t>
+            </a:r>
+          </a:p>
+          <a:p>
+            <a:r>
+              <a:rPr lang="en-US" sz="600" dirty="0">
+                <a:latin typeface="Courier New" panose="02070309020205020404" pitchFamily="49" charset="0"/>
+                <a:cs typeface="Courier New" panose="02070309020205020404" pitchFamily="49" charset="0"/>
+              </a:rPr>
+              <a:t>.</a:t>
+            </a:r>
+          </a:p>
+          <a:p>
+            <a:r>
+              <a:rPr lang="en-US" sz="600" dirty="0">
+                <a:latin typeface="Courier New" panose="02070309020205020404" pitchFamily="49" charset="0"/>
+                <a:cs typeface="Courier New" panose="02070309020205020404" pitchFamily="49" charset="0"/>
+              </a:rPr>
+              <a:t>.</a:t>
+            </a:r>
+          </a:p>
+          <a:p>
+            <a:r>
+              <a:rPr lang="en-US" sz="600" dirty="0">
+                <a:latin typeface="Courier New" panose="02070309020205020404" pitchFamily="49" charset="0"/>
+                <a:cs typeface="Courier New" panose="02070309020205020404" pitchFamily="49" charset="0"/>
+              </a:rPr>
+              <a:t>.</a:t>
+            </a:r>
+          </a:p>
+          <a:p>
+            <a:r>
+              <a:rPr lang="en-US" sz="600" dirty="0">
+                <a:latin typeface="Courier New" panose="02070309020205020404" pitchFamily="49" charset="0"/>
+                <a:cs typeface="Courier New" panose="02070309020205020404" pitchFamily="49" charset="0"/>
+              </a:rPr>
+              <a:t>BEGIN BULK</a:t>
+            </a:r>
+          </a:p>
+          <a:p>
+            <a:r>
+              <a:rPr lang="en-US" sz="600" dirty="0">
+                <a:latin typeface="Courier New" panose="02070309020205020404" pitchFamily="49" charset="0"/>
+                <a:cs typeface="Courier New" panose="02070309020205020404" pitchFamily="49" charset="0"/>
+              </a:rPr>
+              <a:t>.</a:t>
+            </a:r>
+          </a:p>
+          <a:p>
+            <a:r>
+              <a:rPr lang="en-US" sz="600" dirty="0">
+                <a:latin typeface="Courier New" panose="02070309020205020404" pitchFamily="49" charset="0"/>
+                <a:cs typeface="Courier New" panose="02070309020205020404" pitchFamily="49" charset="0"/>
+              </a:rPr>
+              <a:t>.</a:t>
+            </a:r>
+          </a:p>
+          <a:p>
+            <a:r>
+              <a:rPr lang="en-US" sz="600" dirty="0">
+                <a:latin typeface="Courier New" panose="02070309020205020404" pitchFamily="49" charset="0"/>
+                <a:cs typeface="Courier New" panose="02070309020205020404" pitchFamily="49" charset="0"/>
+              </a:rPr>
+              <a:t>.</a:t>
+            </a:r>
+          </a:p>
+          <a:p>
+            <a:r>
+              <a:rPr lang="en-US" sz="600" dirty="0">
+                <a:latin typeface="Courier New" panose="02070309020205020404" pitchFamily="49" charset="0"/>
+                <a:cs typeface="Courier New" panose="02070309020205020404" pitchFamily="49" charset="0"/>
+              </a:rPr>
+              <a:t>ENDDATA</a:t>
+            </a:r>
+            <a:endParaRPr lang="en-US" sz="800" dirty="0">
+              <a:latin typeface="Courier New" panose="02070309020205020404" pitchFamily="49" charset="0"/>
+              <a:cs typeface="Courier New" panose="02070309020205020404" pitchFamily="49" charset="0"/>
+            </a:endParaRPr>
+          </a:p>
+        </p:txBody>
+      </p:sp>
+      <p:sp>
+        <p:nvSpPr>
+          <p:cNvPr id="32" name="Arrow: Down 31">
+            <a:extLst>
+              <a:ext uri="{FF2B5EF4-FFF2-40B4-BE49-F238E27FC236}">
+                <a16:creationId xmlns:a16="http://schemas.microsoft.com/office/drawing/2014/main" id="{FF7637AD-3029-464A-AA73-E23CB9682DA8}"/>
+              </a:ext>
+            </a:extLst>
+          </p:cNvPr>
+          <p:cNvSpPr/>
+          <p:nvPr/>
+        </p:nvSpPr>
+        <p:spPr>
+          <a:xfrm rot="16200000">
+            <a:off x="4565638" y="2177278"/>
+            <a:ext cx="168417" cy="261610"/>
+          </a:xfrm>
+          <a:prstGeom prst="downArrow">
+            <a:avLst/>
+          </a:prstGeom>
+          <a:solidFill>
+            <a:schemeClr val="tx1"/>
+          </a:solidFill>
+          <a:ln>
+            <a:noFill/>
+          </a:ln>
+        </p:spPr>
+        <p:style>
+          <a:lnRef idx="2">
+            <a:schemeClr val="accent1">
+              <a:shade val="50000"/>
+            </a:schemeClr>
+          </a:lnRef>
+          <a:fillRef idx="1">
+            <a:schemeClr val="accent1"/>
+          </a:fillRef>
+          <a:effectRef idx="0">
+            <a:schemeClr val="accent1"/>
+          </a:effectRef>
+          <a:fontRef idx="minor">
+            <a:schemeClr val="lt1"/>
+          </a:fontRef>
+        </p:style>
+        <p:txBody>
+          <a:bodyPr rtlCol="0" anchor="ctr"/>
+          <a:lstStyle/>
+          <a:p>
+            <a:pPr algn="ctr"/>
+            <a:endParaRPr lang="en-US"/>
+          </a:p>
+        </p:txBody>
+      </p:sp>
+      <p:sp>
+        <p:nvSpPr>
+          <p:cNvPr id="33" name="Arrow: Down 32">
+            <a:extLst>
+              <a:ext uri="{FF2B5EF4-FFF2-40B4-BE49-F238E27FC236}">
+                <a16:creationId xmlns:a16="http://schemas.microsoft.com/office/drawing/2014/main" id="{11B3A966-CDA1-44FF-BC1E-939B01F9C0AB}"/>
+              </a:ext>
+            </a:extLst>
+          </p:cNvPr>
+          <p:cNvSpPr/>
+          <p:nvPr/>
+        </p:nvSpPr>
+        <p:spPr>
+          <a:xfrm rot="16200000">
+            <a:off x="7470699" y="2180861"/>
+            <a:ext cx="168417" cy="261610"/>
+          </a:xfrm>
+          <a:prstGeom prst="downArrow">
+            <a:avLst/>
+          </a:prstGeom>
+          <a:solidFill>
+            <a:schemeClr val="tx1"/>
+          </a:solidFill>
+          <a:ln>
+            <a:noFill/>
+          </a:ln>
+        </p:spPr>
+        <p:style>
+          <a:lnRef idx="2">
+            <a:schemeClr val="accent1">
+              <a:shade val="50000"/>
+            </a:schemeClr>
+          </a:lnRef>
+          <a:fillRef idx="1">
+            <a:schemeClr val="accent1"/>
+          </a:fillRef>
+          <a:effectRef idx="0">
+            <a:schemeClr val="accent1"/>
+          </a:effectRef>
+          <a:fontRef idx="minor">
+            <a:schemeClr val="lt1"/>
+          </a:fontRef>
+        </p:style>
+        <p:txBody>
+          <a:bodyPr rtlCol="0" anchor="ctr"/>
+          <a:lstStyle/>
+          <a:p>
+            <a:pPr algn="ctr"/>
+            <a:endParaRPr lang="en-US"/>
+          </a:p>
+        </p:txBody>
+      </p:sp>
+      <p:sp>
+        <p:nvSpPr>
+          <p:cNvPr id="37" name="TextBox 36">
+            <a:extLst>
+              <a:ext uri="{FF2B5EF4-FFF2-40B4-BE49-F238E27FC236}">
+                <a16:creationId xmlns:a16="http://schemas.microsoft.com/office/drawing/2014/main" id="{CAD99E85-56D4-4F2A-A84C-F2B3175ABFED}"/>
+              </a:ext>
+            </a:extLst>
+          </p:cNvPr>
+          <p:cNvSpPr txBox="1"/>
+          <p:nvPr/>
+        </p:nvSpPr>
+        <p:spPr>
+          <a:xfrm>
+            <a:off x="7262449" y="2803522"/>
+            <a:ext cx="1053030" cy="215444"/>
+          </a:xfrm>
+          <a:prstGeom prst="rect">
+            <a:avLst/>
+          </a:prstGeom>
+          <a:noFill/>
+        </p:spPr>
+        <p:txBody>
+          <a:bodyPr wrap="square">
+            <a:spAutoFit/>
+          </a:bodyPr>
+          <a:lstStyle/>
+          <a:p>
+            <a:r>
+              <a:rPr lang="en-US" sz="800" i="1" dirty="0">
+                <a:latin typeface="Arial" panose="020B0604020202020204" pitchFamily="34" charset="0"/>
+                <a:cs typeface="Arial" panose="020B0604020202020204" pitchFamily="34" charset="0"/>
+              </a:rPr>
+              <a:t>To Disk</a:t>
+            </a:r>
+          </a:p>
+        </p:txBody>
+      </p:sp>
+      <p:sp>
+        <p:nvSpPr>
+          <p:cNvPr id="20" name="Arrow: Down 19">
+            <a:extLst>
+              <a:ext uri="{FF2B5EF4-FFF2-40B4-BE49-F238E27FC236}">
+                <a16:creationId xmlns:a16="http://schemas.microsoft.com/office/drawing/2014/main" id="{A039B021-5AC7-4884-9164-4C5127CB7787}"/>
+              </a:ext>
+            </a:extLst>
+          </p:cNvPr>
+          <p:cNvSpPr/>
+          <p:nvPr/>
+        </p:nvSpPr>
+        <p:spPr>
+          <a:xfrm rot="16200000">
+            <a:off x="7479483" y="2919745"/>
+            <a:ext cx="168417" cy="261610"/>
+          </a:xfrm>
+          <a:prstGeom prst="downArrow">
+            <a:avLst/>
+          </a:prstGeom>
+          <a:solidFill>
+            <a:schemeClr val="tx1"/>
+          </a:solidFill>
+          <a:ln>
+            <a:noFill/>
+          </a:ln>
+        </p:spPr>
+        <p:style>
+          <a:lnRef idx="2">
+            <a:schemeClr val="accent1">
+              <a:shade val="50000"/>
+            </a:schemeClr>
+          </a:lnRef>
+          <a:fillRef idx="1">
+            <a:schemeClr val="accent1"/>
+          </a:fillRef>
+          <a:effectRef idx="0">
+            <a:schemeClr val="accent1"/>
+          </a:effectRef>
+          <a:fontRef idx="minor">
+            <a:schemeClr val="lt1"/>
+          </a:fontRef>
+        </p:style>
+        <p:txBody>
+          <a:bodyPr rtlCol="0" anchor="ctr"/>
+          <a:lstStyle/>
+          <a:p>
+            <a:pPr algn="ctr"/>
+            <a:endParaRPr lang="en-US"/>
+          </a:p>
+        </p:txBody>
+      </p:sp>
+      <p:sp>
+        <p:nvSpPr>
+          <p:cNvPr id="6" name="Rectangle 5">
+            <a:extLst>
+              <a:ext uri="{FF2B5EF4-FFF2-40B4-BE49-F238E27FC236}">
+                <a16:creationId xmlns:a16="http://schemas.microsoft.com/office/drawing/2014/main" id="{DEE73614-D994-4612-A6A5-A4B82F9CCDCB}"/>
+              </a:ext>
+            </a:extLst>
+          </p:cNvPr>
+          <p:cNvSpPr/>
+          <p:nvPr/>
+        </p:nvSpPr>
+        <p:spPr>
+          <a:xfrm>
+            <a:off x="3226815" y="2452395"/>
+            <a:ext cx="1182774" cy="1283763"/>
+          </a:xfrm>
+          <a:prstGeom prst="rect">
+            <a:avLst/>
+          </a:prstGeom>
+          <a:noFill/>
+          <a:ln w="12700">
+            <a:solidFill>
+              <a:schemeClr val="tx1"/>
+            </a:solidFill>
+          </a:ln>
+        </p:spPr>
+        <p:txBody>
+          <a:bodyPr wrap="square">
+            <a:spAutoFit/>
+          </a:bodyPr>
+          <a:lstStyle/>
+          <a:p>
+            <a:endParaRPr lang="en-US" sz="900">
+              <a:solidFill>
+                <a:schemeClr val="tx1"/>
+              </a:solidFill>
+              <a:latin typeface="Courier New" panose="02070309020205020404" pitchFamily="49" charset="0"/>
+              <a:cs typeface="Courier New" panose="02070309020205020404" pitchFamily="49" charset="0"/>
+            </a:endParaRPr>
+          </a:p>
+        </p:txBody>
+      </p:sp>
+      <p:sp>
+        <p:nvSpPr>
+          <p:cNvPr id="25" name="TextBox 24">
+            <a:extLst>
+              <a:ext uri="{FF2B5EF4-FFF2-40B4-BE49-F238E27FC236}">
+                <a16:creationId xmlns:a16="http://schemas.microsoft.com/office/drawing/2014/main" id="{7B21581B-0699-4F56-ACFE-5390037327A4}"/>
+              </a:ext>
+            </a:extLst>
+          </p:cNvPr>
+          <p:cNvSpPr txBox="1"/>
+          <p:nvPr/>
+        </p:nvSpPr>
+        <p:spPr>
+          <a:xfrm>
+            <a:off x="2901314" y="6260424"/>
+            <a:ext cx="6681637" cy="369332"/>
+          </a:xfrm>
+          <a:prstGeom prst="rect">
+            <a:avLst/>
+          </a:prstGeom>
+          <a:noFill/>
+        </p:spPr>
+        <p:txBody>
+          <a:bodyPr wrap="square">
+            <a:spAutoFit/>
+          </a:bodyPr>
+          <a:lstStyle/>
+          <a:p>
+            <a:r>
+              <a:rPr lang="en-US" sz="1800" dirty="0">
+                <a:latin typeface="Arial" panose="020B0604020202020204" pitchFamily="34" charset="0"/>
+                <a:cs typeface="Arial" panose="020B0604020202020204" pitchFamily="34" charset="0"/>
+              </a:rPr>
+              <a:t>Select -&gt; Right Click -&gt; Save As Picture -&gt; Choose SVG </a:t>
+            </a:r>
+            <a:endParaRPr lang="en-US" dirty="0"/>
+          </a:p>
+        </p:txBody>
+      </p:sp>
+      <p:sp>
+        <p:nvSpPr>
+          <p:cNvPr id="21" name="TextBox 20">
+            <a:extLst>
+              <a:ext uri="{FF2B5EF4-FFF2-40B4-BE49-F238E27FC236}">
+                <a16:creationId xmlns:a16="http://schemas.microsoft.com/office/drawing/2014/main" id="{7BC8A3F0-9147-DC92-A5E1-193AC3235277}"/>
+              </a:ext>
+            </a:extLst>
+          </p:cNvPr>
+          <p:cNvSpPr txBox="1"/>
+          <p:nvPr/>
+        </p:nvSpPr>
+        <p:spPr>
+          <a:xfrm>
+            <a:off x="4893012" y="1005775"/>
+            <a:ext cx="1194122" cy="400110"/>
+          </a:xfrm>
+          <a:prstGeom prst="rect">
+            <a:avLst/>
+          </a:prstGeom>
+          <a:noFill/>
+          <a:ln w="12700">
+            <a:solidFill>
+              <a:schemeClr val="tx1"/>
+            </a:solidFill>
+          </a:ln>
+        </p:spPr>
+        <p:txBody>
+          <a:bodyPr wrap="square">
+            <a:spAutoFit/>
+          </a:bodyPr>
+          <a:lstStyle/>
+          <a:p>
+            <a:r>
+              <a:rPr lang="en-US" sz="1000" dirty="0">
+                <a:latin typeface="Arial" panose="020B0604020202020204" pitchFamily="34" charset="0"/>
+                <a:cs typeface="Arial" panose="020B0604020202020204" pitchFamily="34" charset="0"/>
+              </a:rPr>
+              <a:t>Native model and solution data.</a:t>
+            </a:r>
+          </a:p>
+        </p:txBody>
+      </p:sp>
+      <p:sp>
+        <p:nvSpPr>
+          <p:cNvPr id="22" name="TextBox 21">
+            <a:extLst>
+              <a:ext uri="{FF2B5EF4-FFF2-40B4-BE49-F238E27FC236}">
+                <a16:creationId xmlns:a16="http://schemas.microsoft.com/office/drawing/2014/main" id="{72667B41-527D-139A-4D27-7613054702D2}"/>
+              </a:ext>
+            </a:extLst>
+          </p:cNvPr>
+          <p:cNvSpPr txBox="1"/>
+          <p:nvPr/>
+        </p:nvSpPr>
+        <p:spPr>
+          <a:xfrm>
+            <a:off x="4893012" y="744165"/>
+            <a:ext cx="1194122" cy="261610"/>
+          </a:xfrm>
+          <a:prstGeom prst="rect">
+            <a:avLst/>
+          </a:prstGeom>
+          <a:solidFill>
+            <a:schemeClr val="tx1">
+              <a:lumMod val="65000"/>
+              <a:lumOff val="35000"/>
+            </a:schemeClr>
+          </a:solidFill>
+          <a:ln w="12700">
+            <a:solidFill>
+              <a:schemeClr val="tx1">
+                <a:lumMod val="65000"/>
+                <a:lumOff val="35000"/>
+              </a:schemeClr>
+            </a:solidFill>
+          </a:ln>
+        </p:spPr>
+        <p:txBody>
+          <a:bodyPr wrap="square">
+            <a:spAutoFit/>
+          </a:bodyPr>
+          <a:lstStyle/>
+          <a:p>
+            <a:r>
+              <a:rPr lang="en-US" sz="1100" b="1" dirty="0">
+                <a:solidFill>
+                  <a:schemeClr val="bg1"/>
+                </a:solidFill>
+                <a:latin typeface="Courier New" panose="02070309020205020404" pitchFamily="49" charset="0"/>
+                <a:cs typeface="Courier New" panose="02070309020205020404" pitchFamily="49" charset="0"/>
+              </a:rPr>
+              <a:t>out</a:t>
+            </a:r>
+          </a:p>
+        </p:txBody>
+      </p:sp>
+    </p:spTree>
+    <p:extLst>
+      <p:ext uri="{BB962C8B-B14F-4D97-AF65-F5344CB8AC3E}">
+        <p14:creationId xmlns:p14="http://schemas.microsoft.com/office/powerpoint/2010/main" val="1310245913"/>
+      </p:ext>
+    </p:extLst>
+  </p:cSld>
+  <p:clrMapOvr>
+    <a:masterClrMapping/>
+  </p:clrMapOvr>
+</p:sld>
+</file>
+
+<file path=ppt/slides/slide4.xml><?xml version="1.0" encoding="utf-8"?>
+<p:sld xmlns:a="http://schemas.openxmlformats.org/drawingml/2006/main" xmlns:r="http://schemas.openxmlformats.org/officeDocument/2006/relationships" xmlns:p="http://schemas.openxmlformats.org/presentationml/2006/main">
+  <p:cSld>
+    <p:spTree>
+      <p:nvGrpSpPr>
+        <p:cNvPr id="1" name=""/>
+        <p:cNvGrpSpPr/>
+        <p:nvPr/>
+      </p:nvGrpSpPr>
+      <p:grpSpPr>
+        <a:xfrm>
+          <a:off x="0" y="0"/>
+          <a:ext cx="0" cy="0"/>
+          <a:chOff x="0" y="0"/>
+          <a:chExt cx="0" cy="0"/>
+        </a:xfrm>
+      </p:grpSpPr>
+      <p:grpSp>
+        <p:nvGrpSpPr>
+          <p:cNvPr id="18" name="Group 17">
+            <a:extLst>
+              <a:ext uri="{FF2B5EF4-FFF2-40B4-BE49-F238E27FC236}">
+                <a16:creationId xmlns:a16="http://schemas.microsoft.com/office/drawing/2014/main" id="{99D8AF8C-5F61-F025-02C0-5A15B96AC1E6}"/>
+              </a:ext>
+            </a:extLst>
+          </p:cNvPr>
+          <p:cNvGrpSpPr/>
+          <p:nvPr/>
+        </p:nvGrpSpPr>
+        <p:grpSpPr>
+          <a:xfrm>
+            <a:off x="4207190" y="4119615"/>
+            <a:ext cx="1194122" cy="815608"/>
+            <a:chOff x="4153828" y="4035795"/>
+            <a:chExt cx="1194122" cy="815608"/>
+          </a:xfrm>
+        </p:grpSpPr>
+        <p:sp>
+          <p:nvSpPr>
+            <p:cNvPr id="6" name="TextBox 5">
+              <a:extLst>
+                <a:ext uri="{FF2B5EF4-FFF2-40B4-BE49-F238E27FC236}">
+                  <a16:creationId xmlns:a16="http://schemas.microsoft.com/office/drawing/2014/main" id="{DB9D9C5C-54D6-C597-5E88-DCB75B99DC3C}"/>
+                </a:ext>
+              </a:extLst>
+            </p:cNvPr>
+            <p:cNvSpPr txBox="1"/>
+            <p:nvPr/>
+          </p:nvSpPr>
+          <p:spPr>
+            <a:xfrm>
+              <a:off x="4153828" y="4297405"/>
+              <a:ext cx="1194122" cy="553998"/>
+            </a:xfrm>
+            <a:prstGeom prst="rect">
+              <a:avLst/>
+            </a:prstGeom>
+            <a:noFill/>
+            <a:ln w="12700">
+              <a:solidFill>
+                <a:schemeClr val="tx1"/>
+              </a:solidFill>
+            </a:ln>
+          </p:spPr>
+          <p:txBody>
+            <a:bodyPr wrap="square">
+              <a:spAutoFit/>
+            </a:bodyPr>
+            <a:lstStyle/>
+            <a:p>
+              <a:r>
+                <a:rPr lang="en-US" sz="1000" dirty="0">
+                  <a:latin typeface="Arial" panose="020B0604020202020204" pitchFamily="34" charset="0"/>
+                  <a:cs typeface="Arial" panose="020B0604020202020204" pitchFamily="34" charset="0"/>
+                </a:rPr>
+                <a:t>Model and results data to MATLAB workspace</a:t>
+              </a:r>
+            </a:p>
+          </p:txBody>
+        </p:sp>
+        <p:sp>
+          <p:nvSpPr>
+            <p:cNvPr id="7" name="TextBox 6">
+              <a:extLst>
+                <a:ext uri="{FF2B5EF4-FFF2-40B4-BE49-F238E27FC236}">
+                  <a16:creationId xmlns:a16="http://schemas.microsoft.com/office/drawing/2014/main" id="{3ADE8266-2997-E3E1-0E82-1359231A47B6}"/>
+                </a:ext>
+              </a:extLst>
+            </p:cNvPr>
+            <p:cNvSpPr txBox="1"/>
+            <p:nvPr/>
+          </p:nvSpPr>
+          <p:spPr>
+            <a:xfrm>
+              <a:off x="4153828" y="4035795"/>
+              <a:ext cx="1194122" cy="261610"/>
+            </a:xfrm>
+            <a:prstGeom prst="rect">
+              <a:avLst/>
+            </a:prstGeom>
+            <a:solidFill>
+              <a:schemeClr val="tx1">
+                <a:lumMod val="65000"/>
+                <a:lumOff val="35000"/>
+              </a:schemeClr>
+            </a:solidFill>
+            <a:ln w="12700">
+              <a:solidFill>
+                <a:schemeClr val="tx1">
+                  <a:lumMod val="65000"/>
+                  <a:lumOff val="35000"/>
+                </a:schemeClr>
+              </a:solidFill>
+            </a:ln>
+          </p:spPr>
+          <p:txBody>
+            <a:bodyPr wrap="square">
+              <a:spAutoFit/>
+            </a:bodyPr>
+            <a:lstStyle/>
+            <a:p>
+              <a:r>
+                <a:rPr lang="en-US" sz="1100" b="1" dirty="0">
+                  <a:solidFill>
+                    <a:schemeClr val="bg1"/>
+                  </a:solidFill>
+                  <a:latin typeface="Courier New" panose="02070309020205020404" pitchFamily="49" charset="0"/>
+                  <a:cs typeface="Courier New" panose="02070309020205020404" pitchFamily="49" charset="0"/>
+                </a:rPr>
+                <a:t>out</a:t>
+              </a:r>
+            </a:p>
+          </p:txBody>
+        </p:sp>
+      </p:grpSp>
+      <p:sp>
+        <p:nvSpPr>
+          <p:cNvPr id="8" name="TextBox 7">
+            <a:extLst>
+              <a:ext uri="{FF2B5EF4-FFF2-40B4-BE49-F238E27FC236}">
+                <a16:creationId xmlns:a16="http://schemas.microsoft.com/office/drawing/2014/main" id="{F81419DF-898F-DD61-A762-1E0A31D3D44A}"/>
+              </a:ext>
+            </a:extLst>
+          </p:cNvPr>
+          <p:cNvSpPr txBox="1"/>
+          <p:nvPr/>
+        </p:nvSpPr>
+        <p:spPr>
+          <a:xfrm>
+            <a:off x="4207454" y="2360249"/>
+            <a:ext cx="3777091" cy="246221"/>
+          </a:xfrm>
+          <a:prstGeom prst="rect">
+            <a:avLst/>
+          </a:prstGeom>
+          <a:noFill/>
+          <a:ln w="12700">
+            <a:solidFill>
+              <a:schemeClr val="tx1"/>
+            </a:solidFill>
+          </a:ln>
+        </p:spPr>
+        <p:txBody>
+          <a:bodyPr wrap="square">
+            <a:spAutoFit/>
+          </a:bodyPr>
+          <a:lstStyle/>
+          <a:p>
+            <a:r>
+              <a:rPr lang="en-US" sz="1000" dirty="0">
+                <a:latin typeface="Arial" panose="020B0604020202020204" pitchFamily="34" charset="0"/>
+                <a:cs typeface="Arial" panose="020B0604020202020204" pitchFamily="34" charset="0"/>
+              </a:rPr>
+              <a:t>Nastran format input file</a:t>
+            </a:r>
+          </a:p>
+        </p:txBody>
+      </p:sp>
+      <p:sp>
+        <p:nvSpPr>
+          <p:cNvPr id="9" name="TextBox 8">
+            <a:extLst>
+              <a:ext uri="{FF2B5EF4-FFF2-40B4-BE49-F238E27FC236}">
+                <a16:creationId xmlns:a16="http://schemas.microsoft.com/office/drawing/2014/main" id="{642591CC-6393-5FCB-D8BD-D5D22187912F}"/>
+              </a:ext>
+            </a:extLst>
+          </p:cNvPr>
+          <p:cNvSpPr txBox="1"/>
+          <p:nvPr/>
+        </p:nvSpPr>
+        <p:spPr>
+          <a:xfrm>
+            <a:off x="4207454" y="2098639"/>
+            <a:ext cx="3777089" cy="261610"/>
+          </a:xfrm>
+          <a:prstGeom prst="rect">
+            <a:avLst/>
+          </a:prstGeom>
+          <a:solidFill>
+            <a:schemeClr val="tx1">
+              <a:lumMod val="65000"/>
+              <a:lumOff val="35000"/>
+            </a:schemeClr>
+          </a:solidFill>
+          <a:ln w="12700">
+            <a:solidFill>
+              <a:schemeClr val="tx1">
+                <a:lumMod val="65000"/>
+                <a:lumOff val="35000"/>
+              </a:schemeClr>
+            </a:solidFill>
+          </a:ln>
+        </p:spPr>
+        <p:txBody>
+          <a:bodyPr wrap="square">
+            <a:spAutoFit/>
+          </a:bodyPr>
+          <a:lstStyle/>
+          <a:p>
+            <a:r>
+              <a:rPr lang="en-US" sz="1100" b="1" dirty="0">
+                <a:solidFill>
+                  <a:schemeClr val="bg1"/>
+                </a:solidFill>
+                <a:latin typeface="Courier New" panose="02070309020205020404" pitchFamily="49" charset="0"/>
+                <a:cs typeface="Courier New" panose="02070309020205020404" pitchFamily="49" charset="0"/>
+              </a:rPr>
+              <a:t>example.dat</a:t>
+            </a:r>
+          </a:p>
+        </p:txBody>
+      </p:sp>
+      <p:grpSp>
+        <p:nvGrpSpPr>
+          <p:cNvPr id="17" name="Group 16">
+            <a:extLst>
+              <a:ext uri="{FF2B5EF4-FFF2-40B4-BE49-F238E27FC236}">
+                <a16:creationId xmlns:a16="http://schemas.microsoft.com/office/drawing/2014/main" id="{17782F55-5016-ED41-640C-9B2C393D23E4}"/>
+              </a:ext>
+            </a:extLst>
+          </p:cNvPr>
+          <p:cNvGrpSpPr/>
+          <p:nvPr/>
+        </p:nvGrpSpPr>
+        <p:grpSpPr>
+          <a:xfrm>
+            <a:off x="5498939" y="4119615"/>
+            <a:ext cx="1194122" cy="810250"/>
+            <a:chOff x="5513596" y="4035795"/>
+            <a:chExt cx="1194122" cy="810250"/>
+          </a:xfrm>
+        </p:grpSpPr>
+        <p:sp>
+          <p:nvSpPr>
+            <p:cNvPr id="10" name="TextBox 9">
+              <a:extLst>
+                <a:ext uri="{FF2B5EF4-FFF2-40B4-BE49-F238E27FC236}">
+                  <a16:creationId xmlns:a16="http://schemas.microsoft.com/office/drawing/2014/main" id="{C55A0A1D-E069-FF6B-8A3E-489A7A13311C}"/>
+                </a:ext>
+              </a:extLst>
+            </p:cNvPr>
+            <p:cNvSpPr txBox="1"/>
+            <p:nvPr/>
+          </p:nvSpPr>
+          <p:spPr>
+            <a:xfrm>
+              <a:off x="5513596" y="4297405"/>
+              <a:ext cx="1194122" cy="548640"/>
+            </a:xfrm>
+            <a:prstGeom prst="rect">
+              <a:avLst/>
+            </a:prstGeom>
+            <a:noFill/>
+            <a:ln w="12700">
+              <a:solidFill>
+                <a:schemeClr val="tx1"/>
+              </a:solidFill>
+            </a:ln>
+          </p:spPr>
+          <p:txBody>
+            <a:bodyPr wrap="square">
+              <a:spAutoFit/>
+            </a:bodyPr>
+            <a:lstStyle/>
+            <a:p>
+              <a:r>
+                <a:rPr lang="en-US" sz="1000" dirty="0">
+                  <a:latin typeface="Arial" panose="020B0604020202020204" pitchFamily="34" charset="0"/>
+                  <a:cs typeface="Arial" panose="020B0604020202020204" pitchFamily="34" charset="0"/>
+                </a:rPr>
+                <a:t>Human-readable text output file</a:t>
+              </a:r>
+            </a:p>
+          </p:txBody>
+        </p:sp>
+        <p:sp>
+          <p:nvSpPr>
+            <p:cNvPr id="11" name="TextBox 10">
+              <a:extLst>
+                <a:ext uri="{FF2B5EF4-FFF2-40B4-BE49-F238E27FC236}">
+                  <a16:creationId xmlns:a16="http://schemas.microsoft.com/office/drawing/2014/main" id="{CD596244-D248-F512-9284-411556BAB814}"/>
+                </a:ext>
+              </a:extLst>
+            </p:cNvPr>
+            <p:cNvSpPr txBox="1"/>
+            <p:nvPr/>
+          </p:nvSpPr>
+          <p:spPr>
+            <a:xfrm>
+              <a:off x="5513596" y="4035795"/>
+              <a:ext cx="1194122" cy="261610"/>
+            </a:xfrm>
+            <a:prstGeom prst="rect">
+              <a:avLst/>
+            </a:prstGeom>
+            <a:solidFill>
+              <a:schemeClr val="tx1">
+                <a:lumMod val="65000"/>
+                <a:lumOff val="35000"/>
+              </a:schemeClr>
+            </a:solidFill>
+            <a:ln w="12700">
+              <a:solidFill>
+                <a:schemeClr val="tx1">
+                  <a:lumMod val="65000"/>
+                  <a:lumOff val="35000"/>
+                </a:schemeClr>
+              </a:solidFill>
+            </a:ln>
+          </p:spPr>
+          <p:txBody>
+            <a:bodyPr wrap="square">
+              <a:spAutoFit/>
+            </a:bodyPr>
+            <a:lstStyle/>
+            <a:p>
+              <a:r>
+                <a:rPr lang="en-US" sz="1100" b="1" dirty="0">
+                  <a:solidFill>
+                    <a:schemeClr val="bg1"/>
+                  </a:solidFill>
+                  <a:latin typeface="Courier New" panose="02070309020205020404" pitchFamily="49" charset="0"/>
+                  <a:cs typeface="Courier New" panose="02070309020205020404" pitchFamily="49" charset="0"/>
+                </a:rPr>
+                <a:t>example.f06</a:t>
+              </a:r>
+            </a:p>
+          </p:txBody>
+        </p:sp>
+      </p:grpSp>
+      <p:grpSp>
+        <p:nvGrpSpPr>
+          <p:cNvPr id="19" name="Group 18">
+            <a:extLst>
+              <a:ext uri="{FF2B5EF4-FFF2-40B4-BE49-F238E27FC236}">
+                <a16:creationId xmlns:a16="http://schemas.microsoft.com/office/drawing/2014/main" id="{F1F8DE0B-0CBD-A01F-2DF3-28B627265C73}"/>
+              </a:ext>
+            </a:extLst>
+          </p:cNvPr>
+          <p:cNvGrpSpPr/>
+          <p:nvPr/>
+        </p:nvGrpSpPr>
+        <p:grpSpPr>
+          <a:xfrm>
+            <a:off x="6801507" y="4119615"/>
+            <a:ext cx="1183303" cy="810250"/>
+            <a:chOff x="6801507" y="4035795"/>
+            <a:chExt cx="1183303" cy="810250"/>
+          </a:xfrm>
+        </p:grpSpPr>
+        <p:sp>
+          <p:nvSpPr>
+            <p:cNvPr id="12" name="TextBox 11">
+              <a:extLst>
+                <a:ext uri="{FF2B5EF4-FFF2-40B4-BE49-F238E27FC236}">
+                  <a16:creationId xmlns:a16="http://schemas.microsoft.com/office/drawing/2014/main" id="{240F692A-5F7E-5F66-4AA8-563C6176CBD1}"/>
+                </a:ext>
+              </a:extLst>
+            </p:cNvPr>
+            <p:cNvSpPr txBox="1"/>
+            <p:nvPr/>
+          </p:nvSpPr>
+          <p:spPr>
+            <a:xfrm>
+              <a:off x="6802036" y="4297405"/>
+              <a:ext cx="1182774" cy="548640"/>
+            </a:xfrm>
+            <a:prstGeom prst="rect">
+              <a:avLst/>
+            </a:prstGeom>
+            <a:noFill/>
+            <a:ln w="12700">
+              <a:solidFill>
+                <a:schemeClr val="tx1"/>
+              </a:solidFill>
+            </a:ln>
+          </p:spPr>
+          <p:txBody>
+            <a:bodyPr wrap="square">
+              <a:spAutoFit/>
+            </a:bodyPr>
+            <a:lstStyle>
+              <a:defPPr>
+                <a:defRPr lang="en-US"/>
+              </a:defPPr>
+              <a:lvl1pPr>
+                <a:defRPr sz="1000">
+                  <a:latin typeface="Arial" panose="020B0604020202020204" pitchFamily="34" charset="0"/>
+                  <a:cs typeface="Arial" panose="020B0604020202020204" pitchFamily="34" charset="0"/>
+                </a:defRPr>
+              </a:lvl1pPr>
+            </a:lstStyle>
+            <a:p>
+              <a:r>
+                <a:rPr lang="en-US" dirty="0"/>
+                <a:t>MSC Nastran format HDF5 result file</a:t>
+              </a:r>
+            </a:p>
+          </p:txBody>
+        </p:sp>
+        <p:sp>
+          <p:nvSpPr>
+            <p:cNvPr id="13" name="TextBox 12">
+              <a:extLst>
+                <a:ext uri="{FF2B5EF4-FFF2-40B4-BE49-F238E27FC236}">
+                  <a16:creationId xmlns:a16="http://schemas.microsoft.com/office/drawing/2014/main" id="{4C91A30D-2C1C-F7D6-AE94-39CB60CD91DA}"/>
+                </a:ext>
+              </a:extLst>
+            </p:cNvPr>
+            <p:cNvSpPr txBox="1"/>
+            <p:nvPr/>
+          </p:nvSpPr>
+          <p:spPr>
+            <a:xfrm>
+              <a:off x="6801507" y="4035795"/>
+              <a:ext cx="1182774" cy="261610"/>
+            </a:xfrm>
+            <a:prstGeom prst="rect">
+              <a:avLst/>
+            </a:prstGeom>
+            <a:solidFill>
+              <a:schemeClr val="tx1">
+                <a:lumMod val="65000"/>
+                <a:lumOff val="35000"/>
+              </a:schemeClr>
+            </a:solidFill>
+            <a:ln w="12700">
+              <a:solidFill>
+                <a:schemeClr val="tx1">
+                  <a:lumMod val="65000"/>
+                  <a:lumOff val="35000"/>
+                </a:schemeClr>
+              </a:solidFill>
+            </a:ln>
+          </p:spPr>
+          <p:txBody>
+            <a:bodyPr wrap="square">
+              <a:spAutoFit/>
+            </a:bodyPr>
+            <a:lstStyle/>
+            <a:p>
+              <a:r>
+                <a:rPr lang="en-US" sz="1100" b="1" dirty="0">
+                  <a:solidFill>
+                    <a:schemeClr val="bg1"/>
+                  </a:solidFill>
+                  <a:latin typeface="Courier New" panose="02070309020205020404" pitchFamily="49" charset="0"/>
+                  <a:cs typeface="Courier New" panose="02070309020205020404" pitchFamily="49" charset="0"/>
+                </a:rPr>
+                <a:t>example.h5</a:t>
+              </a:r>
+            </a:p>
+          </p:txBody>
+        </p:sp>
+      </p:grpSp>
+      <p:sp>
+        <p:nvSpPr>
+          <p:cNvPr id="21" name="TextBox 20">
+            <a:extLst>
+              <a:ext uri="{FF2B5EF4-FFF2-40B4-BE49-F238E27FC236}">
+                <a16:creationId xmlns:a16="http://schemas.microsoft.com/office/drawing/2014/main" id="{23AB2ECF-3063-6642-F63D-EE2EFE868C40}"/>
+              </a:ext>
+            </a:extLst>
+          </p:cNvPr>
+          <p:cNvSpPr txBox="1"/>
+          <p:nvPr/>
+        </p:nvSpPr>
+        <p:spPr>
+          <a:xfrm>
+            <a:off x="4078958" y="3729855"/>
+            <a:ext cx="885856" cy="338554"/>
+          </a:xfrm>
+          <a:prstGeom prst="rect">
+            <a:avLst/>
+          </a:prstGeom>
+          <a:noFill/>
+        </p:spPr>
+        <p:txBody>
+          <a:bodyPr wrap="square">
+            <a:spAutoFit/>
+          </a:bodyPr>
+          <a:lstStyle/>
+          <a:p>
+            <a:r>
+              <a:rPr lang="en-US" sz="800" i="1" dirty="0">
+                <a:latin typeface="Arial" panose="020B0604020202020204" pitchFamily="34" charset="0"/>
+                <a:cs typeface="Arial" panose="020B0604020202020204" pitchFamily="34" charset="0"/>
+              </a:rPr>
+              <a:t>To MATLAB Workspace</a:t>
+            </a:r>
+          </a:p>
+        </p:txBody>
+      </p:sp>
+      <p:sp>
+        <p:nvSpPr>
+          <p:cNvPr id="22" name="Arrow: Down 21">
+            <a:extLst>
+              <a:ext uri="{FF2B5EF4-FFF2-40B4-BE49-F238E27FC236}">
+                <a16:creationId xmlns:a16="http://schemas.microsoft.com/office/drawing/2014/main" id="{7517291E-9E23-102C-F462-FD20D7514657}"/>
+              </a:ext>
+            </a:extLst>
+          </p:cNvPr>
+          <p:cNvSpPr/>
+          <p:nvPr/>
+        </p:nvSpPr>
+        <p:spPr>
+          <a:xfrm>
+            <a:off x="6006514" y="3775011"/>
+            <a:ext cx="168417" cy="261610"/>
+          </a:xfrm>
+          <a:prstGeom prst="downArrow">
+            <a:avLst/>
+          </a:prstGeom>
+          <a:solidFill>
+            <a:schemeClr val="tx1"/>
+          </a:solidFill>
+          <a:ln>
+            <a:noFill/>
+          </a:ln>
+        </p:spPr>
+        <p:style>
+          <a:lnRef idx="2">
+            <a:schemeClr val="accent1">
+              <a:shade val="50000"/>
+            </a:schemeClr>
+          </a:lnRef>
+          <a:fillRef idx="1">
+            <a:schemeClr val="accent1"/>
+          </a:fillRef>
+          <a:effectRef idx="0">
+            <a:schemeClr val="accent1"/>
+          </a:effectRef>
+          <a:fontRef idx="minor">
+            <a:schemeClr val="lt1"/>
+          </a:fontRef>
+        </p:style>
+        <p:txBody>
+          <a:bodyPr rtlCol="0" anchor="ctr"/>
+          <a:lstStyle/>
+          <a:p>
+            <a:pPr algn="ctr"/>
+            <a:endParaRPr lang="en-US"/>
+          </a:p>
+        </p:txBody>
+      </p:sp>
+      <p:sp>
+        <p:nvSpPr>
+          <p:cNvPr id="23" name="TextBox 22">
+            <a:extLst>
+              <a:ext uri="{FF2B5EF4-FFF2-40B4-BE49-F238E27FC236}">
+                <a16:creationId xmlns:a16="http://schemas.microsoft.com/office/drawing/2014/main" id="{9C8FEAD0-B078-B4CA-3945-F9EBE705F1E1}"/>
+              </a:ext>
+            </a:extLst>
+          </p:cNvPr>
+          <p:cNvSpPr txBox="1"/>
+          <p:nvPr/>
+        </p:nvSpPr>
+        <p:spPr>
+          <a:xfrm>
+            <a:off x="5572057" y="3752938"/>
+            <a:ext cx="1053030" cy="215444"/>
+          </a:xfrm>
+          <a:prstGeom prst="rect">
+            <a:avLst/>
+          </a:prstGeom>
+          <a:noFill/>
+        </p:spPr>
+        <p:txBody>
+          <a:bodyPr wrap="square">
+            <a:spAutoFit/>
+          </a:bodyPr>
+          <a:lstStyle/>
+          <a:p>
+            <a:r>
+              <a:rPr lang="en-US" sz="800" i="1" dirty="0">
+                <a:latin typeface="Arial" panose="020B0604020202020204" pitchFamily="34" charset="0"/>
+                <a:cs typeface="Arial" panose="020B0604020202020204" pitchFamily="34" charset="0"/>
+              </a:rPr>
+              <a:t>To Disk</a:t>
+            </a:r>
+          </a:p>
+        </p:txBody>
+      </p:sp>
+      <p:sp>
+        <p:nvSpPr>
+          <p:cNvPr id="24" name="Arrow: Down 23">
+            <a:extLst>
+              <a:ext uri="{FF2B5EF4-FFF2-40B4-BE49-F238E27FC236}">
+                <a16:creationId xmlns:a16="http://schemas.microsoft.com/office/drawing/2014/main" id="{0139481F-9143-2D31-DCAA-C7B4D88A0EB2}"/>
+              </a:ext>
+            </a:extLst>
+          </p:cNvPr>
+          <p:cNvSpPr/>
+          <p:nvPr/>
+        </p:nvSpPr>
+        <p:spPr>
+          <a:xfrm>
+            <a:off x="4720042" y="3775011"/>
+            <a:ext cx="168417" cy="261610"/>
+          </a:xfrm>
+          <a:prstGeom prst="downArrow">
+            <a:avLst/>
+          </a:prstGeom>
+          <a:solidFill>
+            <a:schemeClr val="tx1"/>
+          </a:solidFill>
+          <a:ln>
+            <a:noFill/>
+          </a:ln>
+        </p:spPr>
+        <p:style>
+          <a:lnRef idx="2">
+            <a:schemeClr val="accent1">
+              <a:shade val="50000"/>
+            </a:schemeClr>
+          </a:lnRef>
+          <a:fillRef idx="1">
+            <a:schemeClr val="accent1"/>
+          </a:fillRef>
+          <a:effectRef idx="0">
+            <a:schemeClr val="accent1"/>
+          </a:effectRef>
+          <a:fontRef idx="minor">
+            <a:schemeClr val="lt1"/>
+          </a:fontRef>
+        </p:style>
+        <p:txBody>
+          <a:bodyPr rtlCol="0" anchor="ctr"/>
+          <a:lstStyle/>
+          <a:p>
+            <a:pPr algn="ctr"/>
+            <a:endParaRPr lang="en-US"/>
+          </a:p>
+        </p:txBody>
+      </p:sp>
+      <p:sp>
+        <p:nvSpPr>
+          <p:cNvPr id="25" name="Arrow: Down 24">
+            <a:extLst>
+              <a:ext uri="{FF2B5EF4-FFF2-40B4-BE49-F238E27FC236}">
+                <a16:creationId xmlns:a16="http://schemas.microsoft.com/office/drawing/2014/main" id="{B48C4E79-6EB3-AE8C-DB77-429EA9BCB431}"/>
+              </a:ext>
+            </a:extLst>
+          </p:cNvPr>
+          <p:cNvSpPr/>
+          <p:nvPr/>
+        </p:nvSpPr>
+        <p:spPr>
+          <a:xfrm>
+            <a:off x="7308685" y="3768327"/>
+            <a:ext cx="168417" cy="261610"/>
+          </a:xfrm>
+          <a:prstGeom prst="downArrow">
+            <a:avLst/>
+          </a:prstGeom>
+          <a:solidFill>
+            <a:schemeClr val="tx1"/>
+          </a:solidFill>
+          <a:ln>
+            <a:noFill/>
+          </a:ln>
+        </p:spPr>
+        <p:style>
+          <a:lnRef idx="2">
+            <a:schemeClr val="accent1">
+              <a:shade val="50000"/>
+            </a:schemeClr>
+          </a:lnRef>
+          <a:fillRef idx="1">
+            <a:schemeClr val="accent1"/>
+          </a:fillRef>
+          <a:effectRef idx="0">
+            <a:schemeClr val="accent1"/>
+          </a:effectRef>
+          <a:fontRef idx="minor">
+            <a:schemeClr val="lt1"/>
+          </a:fontRef>
+        </p:style>
+        <p:txBody>
+          <a:bodyPr rtlCol="0" anchor="ctr"/>
+          <a:lstStyle/>
+          <a:p>
+            <a:pPr algn="ctr"/>
+            <a:endParaRPr lang="en-US"/>
+          </a:p>
+        </p:txBody>
+      </p:sp>
+      <p:sp>
+        <p:nvSpPr>
+          <p:cNvPr id="29" name="TextBox 28">
+            <a:extLst>
+              <a:ext uri="{FF2B5EF4-FFF2-40B4-BE49-F238E27FC236}">
+                <a16:creationId xmlns:a16="http://schemas.microsoft.com/office/drawing/2014/main" id="{43A139FA-15DD-99AC-481E-F31989EB29DF}"/>
+              </a:ext>
+            </a:extLst>
+          </p:cNvPr>
+          <p:cNvSpPr txBox="1"/>
+          <p:nvPr/>
+        </p:nvSpPr>
+        <p:spPr>
+          <a:xfrm>
+            <a:off x="4202176" y="3298968"/>
+            <a:ext cx="3777091" cy="338554"/>
+          </a:xfrm>
+          <a:prstGeom prst="rect">
+            <a:avLst/>
+          </a:prstGeom>
+          <a:noFill/>
+          <a:ln w="12700">
+            <a:solidFill>
+              <a:schemeClr val="tx1"/>
+            </a:solidFill>
+          </a:ln>
+        </p:spPr>
+        <p:txBody>
+          <a:bodyPr wrap="square">
+            <a:spAutoFit/>
+          </a:bodyPr>
+          <a:lstStyle>
+            <a:defPPr>
+              <a:defRPr lang="en-US"/>
+            </a:defPPr>
+            <a:lvl1pPr>
+              <a:defRPr sz="1000">
+                <a:latin typeface="Arial" panose="020B0604020202020204" pitchFamily="34" charset="0"/>
+                <a:cs typeface="Arial" panose="020B0604020202020204" pitchFamily="34" charset="0"/>
+              </a:defRPr>
+            </a:lvl1pPr>
+          </a:lstStyle>
+          <a:p>
+            <a:r>
+              <a:rPr lang="en-US" sz="1600" dirty="0">
+                <a:latin typeface="Courier New" panose="02070309020205020404" pitchFamily="49" charset="0"/>
+                <a:cs typeface="Courier New" panose="02070309020205020404" pitchFamily="49" charset="0"/>
+              </a:rPr>
+              <a:t>&gt;&gt;out=</a:t>
+            </a:r>
+            <a:r>
+              <a:rPr lang="en-US" sz="1600" dirty="0" err="1">
+                <a:latin typeface="Courier New" panose="02070309020205020404" pitchFamily="49" charset="0"/>
+                <a:cs typeface="Courier New" panose="02070309020205020404" pitchFamily="49" charset="0"/>
+              </a:rPr>
+              <a:t>Cofe</a:t>
+            </a:r>
+            <a:r>
+              <a:rPr lang="en-US" sz="1600" dirty="0">
+                <a:latin typeface="Courier New" panose="02070309020205020404" pitchFamily="49" charset="0"/>
+                <a:cs typeface="Courier New" panose="02070309020205020404" pitchFamily="49" charset="0"/>
+              </a:rPr>
+              <a:t>(‘example.dat’);</a:t>
+            </a:r>
+          </a:p>
+        </p:txBody>
+      </p:sp>
+      <p:sp>
+        <p:nvSpPr>
+          <p:cNvPr id="30" name="TextBox 29">
+            <a:extLst>
+              <a:ext uri="{FF2B5EF4-FFF2-40B4-BE49-F238E27FC236}">
+                <a16:creationId xmlns:a16="http://schemas.microsoft.com/office/drawing/2014/main" id="{78B22E20-F8A9-8CEE-31D9-54FDCD40F82B}"/>
+              </a:ext>
+            </a:extLst>
+          </p:cNvPr>
+          <p:cNvSpPr txBox="1"/>
+          <p:nvPr/>
+        </p:nvSpPr>
+        <p:spPr>
+          <a:xfrm>
+            <a:off x="4202175" y="3037358"/>
+            <a:ext cx="3777091" cy="261610"/>
+          </a:xfrm>
+          <a:prstGeom prst="rect">
+            <a:avLst/>
+          </a:prstGeom>
+          <a:solidFill>
+            <a:srgbClr val="285B91"/>
+          </a:solidFill>
+          <a:ln w="12700">
+            <a:solidFill>
+              <a:schemeClr val="tx1">
+                <a:lumMod val="65000"/>
+                <a:lumOff val="35000"/>
+              </a:schemeClr>
+            </a:solidFill>
+          </a:ln>
+        </p:spPr>
+        <p:txBody>
+          <a:bodyPr wrap="square">
+            <a:spAutoFit/>
+          </a:bodyPr>
+          <a:lstStyle/>
+          <a:p>
+            <a:r>
+              <a:rPr lang="en-US" sz="1050" b="1" dirty="0">
+                <a:solidFill>
+                  <a:schemeClr val="bg1"/>
+                </a:solidFill>
+                <a:latin typeface="Arial" panose="020B0604020202020204" pitchFamily="34" charset="0"/>
+                <a:cs typeface="Arial" panose="020B0604020202020204" pitchFamily="34" charset="0"/>
+              </a:rPr>
+              <a:t>MATLAB Command Window</a:t>
+            </a:r>
+          </a:p>
+        </p:txBody>
+      </p:sp>
+      <p:sp>
+        <p:nvSpPr>
+          <p:cNvPr id="32" name="TextBox 31">
+            <a:extLst>
+              <a:ext uri="{FF2B5EF4-FFF2-40B4-BE49-F238E27FC236}">
+                <a16:creationId xmlns:a16="http://schemas.microsoft.com/office/drawing/2014/main" id="{90575C85-DAA9-0443-53E2-412EC92013D0}"/>
+              </a:ext>
+            </a:extLst>
+          </p:cNvPr>
+          <p:cNvSpPr txBox="1"/>
+          <p:nvPr/>
+        </p:nvSpPr>
+        <p:spPr>
+          <a:xfrm>
+            <a:off x="6870695" y="3747666"/>
+            <a:ext cx="1053030" cy="215444"/>
+          </a:xfrm>
+          <a:prstGeom prst="rect">
+            <a:avLst/>
+          </a:prstGeom>
+          <a:noFill/>
+        </p:spPr>
+        <p:txBody>
+          <a:bodyPr wrap="square">
+            <a:spAutoFit/>
+          </a:bodyPr>
+          <a:lstStyle/>
+          <a:p>
+            <a:r>
+              <a:rPr lang="en-US" sz="800" i="1" dirty="0">
+                <a:latin typeface="Arial" panose="020B0604020202020204" pitchFamily="34" charset="0"/>
+                <a:cs typeface="Arial" panose="020B0604020202020204" pitchFamily="34" charset="0"/>
+              </a:rPr>
+              <a:t>To Disk</a:t>
+            </a:r>
+          </a:p>
+        </p:txBody>
+      </p:sp>
+      <p:sp>
+        <p:nvSpPr>
+          <p:cNvPr id="33" name="Arrow: Down 32">
+            <a:extLst>
+              <a:ext uri="{FF2B5EF4-FFF2-40B4-BE49-F238E27FC236}">
+                <a16:creationId xmlns:a16="http://schemas.microsoft.com/office/drawing/2014/main" id="{9ED1888D-6BB2-291F-90A7-B9E41EF17746}"/>
+              </a:ext>
+            </a:extLst>
+          </p:cNvPr>
+          <p:cNvSpPr/>
+          <p:nvPr/>
+        </p:nvSpPr>
+        <p:spPr>
+          <a:xfrm>
+            <a:off x="6006511" y="2699889"/>
+            <a:ext cx="168417" cy="261610"/>
+          </a:xfrm>
+          <a:prstGeom prst="downArrow">
+            <a:avLst/>
+          </a:prstGeom>
+          <a:solidFill>
+            <a:schemeClr val="tx1"/>
+          </a:solidFill>
+          <a:ln>
+            <a:noFill/>
+          </a:ln>
+        </p:spPr>
+        <p:style>
+          <a:lnRef idx="2">
+            <a:schemeClr val="accent1">
+              <a:shade val="50000"/>
+            </a:schemeClr>
+          </a:lnRef>
+          <a:fillRef idx="1">
+            <a:schemeClr val="accent1"/>
+          </a:fillRef>
+          <a:effectRef idx="0">
+            <a:schemeClr val="accent1"/>
+          </a:effectRef>
+          <a:fontRef idx="minor">
+            <a:schemeClr val="lt1"/>
+          </a:fontRef>
+        </p:style>
+        <p:txBody>
+          <a:bodyPr rtlCol="0" anchor="ctr"/>
+          <a:lstStyle/>
+          <a:p>
+            <a:pPr algn="ctr"/>
+            <a:endParaRPr lang="en-US"/>
+          </a:p>
+        </p:txBody>
+      </p:sp>
+    </p:spTree>
+    <p:extLst>
+      <p:ext uri="{BB962C8B-B14F-4D97-AF65-F5344CB8AC3E}">
+        <p14:creationId xmlns:p14="http://schemas.microsoft.com/office/powerpoint/2010/main" val="429354193"/>
+      </p:ext>
+    </p:extLst>
+  </p:cSld>
+  <p:clrMapOvr>
+    <a:masterClrMapping/>
+  </p:clrMapOvr>
+</p:sld>
+</file>
+
+<file path=ppt/slides/slide5.xml><?xml version="1.0" encoding="utf-8"?>
+<p:sld xmlns:a="http://schemas.openxmlformats.org/drawingml/2006/main" xmlns:r="http://schemas.openxmlformats.org/officeDocument/2006/relationships" xmlns:p="http://schemas.openxmlformats.org/presentationml/2006/main">
+  <p:cSld>
+    <p:spTree>
+      <p:nvGrpSpPr>
+        <p:cNvPr id="1" name=""/>
+        <p:cNvGrpSpPr/>
+        <p:nvPr/>
+      </p:nvGrpSpPr>
+      <p:grpSpPr>
+        <a:xfrm>
+          <a:off x="0" y="0"/>
+          <a:ext cx="0" cy="0"/>
+          <a:chOff x="0" y="0"/>
+          <a:chExt cx="0" cy="0"/>
+        </a:xfrm>
+      </p:grpSpPr>
+      <p:sp>
+        <p:nvSpPr>
+          <p:cNvPr id="21" name="TextBox 20">
+            <a:extLst>
+              <a:ext uri="{FF2B5EF4-FFF2-40B4-BE49-F238E27FC236}">
+                <a16:creationId xmlns:a16="http://schemas.microsoft.com/office/drawing/2014/main" id="{23AB2ECF-3063-6642-F63D-EE2EFE868C40}"/>
+              </a:ext>
+            </a:extLst>
+          </p:cNvPr>
+          <p:cNvSpPr txBox="1"/>
+          <p:nvPr/>
+        </p:nvSpPr>
+        <p:spPr>
+          <a:xfrm>
+            <a:off x="4071338" y="3706995"/>
+            <a:ext cx="885856" cy="338554"/>
+          </a:xfrm>
+          <a:prstGeom prst="rect">
+            <a:avLst/>
+          </a:prstGeom>
+          <a:noFill/>
+        </p:spPr>
+        <p:txBody>
+          <a:bodyPr wrap="square">
+            <a:spAutoFit/>
+          </a:bodyPr>
+          <a:lstStyle/>
+          <a:p>
+            <a:r>
+              <a:rPr lang="en-US" sz="800" i="1" dirty="0">
+                <a:solidFill>
+                  <a:srgbClr val="595959"/>
+                </a:solidFill>
+                <a:latin typeface="Arial" panose="020B0604020202020204" pitchFamily="34" charset="0"/>
+                <a:cs typeface="Arial" panose="020B0604020202020204" pitchFamily="34" charset="0"/>
+              </a:rPr>
+              <a:t>To MATLAB Workspace</a:t>
+            </a:r>
+          </a:p>
+        </p:txBody>
+      </p:sp>
+      <p:sp>
+        <p:nvSpPr>
+          <p:cNvPr id="23" name="TextBox 22">
+            <a:extLst>
+              <a:ext uri="{FF2B5EF4-FFF2-40B4-BE49-F238E27FC236}">
+                <a16:creationId xmlns:a16="http://schemas.microsoft.com/office/drawing/2014/main" id="{9C8FEAD0-B078-B4CA-3945-F9EBE705F1E1}"/>
+              </a:ext>
+            </a:extLst>
+          </p:cNvPr>
+          <p:cNvSpPr txBox="1"/>
+          <p:nvPr/>
+        </p:nvSpPr>
+        <p:spPr>
+          <a:xfrm>
+            <a:off x="5564437" y="3730078"/>
+            <a:ext cx="793481" cy="215444"/>
+          </a:xfrm>
+          <a:prstGeom prst="rect">
+            <a:avLst/>
+          </a:prstGeom>
+          <a:noFill/>
+        </p:spPr>
+        <p:txBody>
+          <a:bodyPr wrap="square">
+            <a:spAutoFit/>
+          </a:bodyPr>
+          <a:lstStyle/>
+          <a:p>
+            <a:r>
+              <a:rPr lang="en-US" sz="800" i="1" dirty="0">
+                <a:solidFill>
+                  <a:srgbClr val="595959"/>
+                </a:solidFill>
+                <a:latin typeface="Arial" panose="020B0604020202020204" pitchFamily="34" charset="0"/>
+                <a:cs typeface="Arial" panose="020B0604020202020204" pitchFamily="34" charset="0"/>
+              </a:rPr>
+              <a:t>To Disk</a:t>
+            </a:r>
+          </a:p>
+        </p:txBody>
+      </p:sp>
+      <p:sp>
+        <p:nvSpPr>
+          <p:cNvPr id="32" name="TextBox 31">
+            <a:extLst>
+              <a:ext uri="{FF2B5EF4-FFF2-40B4-BE49-F238E27FC236}">
+                <a16:creationId xmlns:a16="http://schemas.microsoft.com/office/drawing/2014/main" id="{90575C85-DAA9-0443-53E2-412EC92013D0}"/>
+              </a:ext>
+            </a:extLst>
+          </p:cNvPr>
+          <p:cNvSpPr txBox="1"/>
+          <p:nvPr/>
+        </p:nvSpPr>
+        <p:spPr>
+          <a:xfrm>
+            <a:off x="6863075" y="3724806"/>
+            <a:ext cx="793481" cy="215444"/>
+          </a:xfrm>
+          <a:prstGeom prst="rect">
+            <a:avLst/>
+          </a:prstGeom>
+          <a:noFill/>
+        </p:spPr>
+        <p:txBody>
+          <a:bodyPr wrap="square">
+            <a:spAutoFit/>
+          </a:bodyPr>
+          <a:lstStyle/>
+          <a:p>
+            <a:r>
+              <a:rPr lang="en-US" sz="800" i="1" dirty="0">
+                <a:solidFill>
+                  <a:srgbClr val="595959"/>
+                </a:solidFill>
+                <a:latin typeface="Arial" panose="020B0604020202020204" pitchFamily="34" charset="0"/>
+                <a:cs typeface="Arial" panose="020B0604020202020204" pitchFamily="34" charset="0"/>
+              </a:rPr>
+              <a:t>To Disk</a:t>
+            </a:r>
+          </a:p>
+        </p:txBody>
+      </p:sp>
+      <p:grpSp>
+        <p:nvGrpSpPr>
+          <p:cNvPr id="18" name="Group 17">
+            <a:extLst>
+              <a:ext uri="{FF2B5EF4-FFF2-40B4-BE49-F238E27FC236}">
+                <a16:creationId xmlns:a16="http://schemas.microsoft.com/office/drawing/2014/main" id="{99D8AF8C-5F61-F025-02C0-5A15B96AC1E6}"/>
+              </a:ext>
+            </a:extLst>
+          </p:cNvPr>
+          <p:cNvGrpSpPr/>
+          <p:nvPr/>
+        </p:nvGrpSpPr>
+        <p:grpSpPr>
+          <a:xfrm>
+            <a:off x="4207190" y="4073895"/>
+            <a:ext cx="1194122" cy="815608"/>
+            <a:chOff x="4153828" y="4035795"/>
+            <a:chExt cx="1194122" cy="815608"/>
+          </a:xfrm>
+        </p:grpSpPr>
+        <p:sp>
+          <p:nvSpPr>
+            <p:cNvPr id="6" name="TextBox 5">
+              <a:extLst>
+                <a:ext uri="{FF2B5EF4-FFF2-40B4-BE49-F238E27FC236}">
+                  <a16:creationId xmlns:a16="http://schemas.microsoft.com/office/drawing/2014/main" id="{DB9D9C5C-54D6-C597-5E88-DCB75B99DC3C}"/>
+                </a:ext>
+              </a:extLst>
+            </p:cNvPr>
+            <p:cNvSpPr txBox="1"/>
+            <p:nvPr/>
+          </p:nvSpPr>
+          <p:spPr>
+            <a:xfrm>
+              <a:off x="4153828" y="4297405"/>
+              <a:ext cx="1194122" cy="553998"/>
+            </a:xfrm>
+            <a:prstGeom prst="rect">
+              <a:avLst/>
+            </a:prstGeom>
+            <a:solidFill>
+              <a:schemeClr val="bg1"/>
+            </a:solidFill>
+            <a:ln w="12700">
+              <a:solidFill>
+                <a:schemeClr val="tx1"/>
+              </a:solidFill>
+            </a:ln>
+          </p:spPr>
+          <p:txBody>
+            <a:bodyPr wrap="square">
+              <a:spAutoFit/>
+            </a:bodyPr>
+            <a:lstStyle/>
+            <a:p>
+              <a:r>
+                <a:rPr lang="en-US" sz="1000" dirty="0">
+                  <a:latin typeface="Arial" panose="020B0604020202020204" pitchFamily="34" charset="0"/>
+                  <a:cs typeface="Arial" panose="020B0604020202020204" pitchFamily="34" charset="0"/>
+                </a:rPr>
+                <a:t>Model and results data to MATLAB workspace</a:t>
+              </a:r>
+            </a:p>
+          </p:txBody>
+        </p:sp>
+        <p:sp>
+          <p:nvSpPr>
+            <p:cNvPr id="7" name="TextBox 6">
+              <a:extLst>
+                <a:ext uri="{FF2B5EF4-FFF2-40B4-BE49-F238E27FC236}">
+                  <a16:creationId xmlns:a16="http://schemas.microsoft.com/office/drawing/2014/main" id="{3ADE8266-2997-E3E1-0E82-1359231A47B6}"/>
+                </a:ext>
+              </a:extLst>
+            </p:cNvPr>
+            <p:cNvSpPr txBox="1"/>
+            <p:nvPr/>
+          </p:nvSpPr>
+          <p:spPr>
+            <a:xfrm>
+              <a:off x="4153828" y="4035795"/>
+              <a:ext cx="1194122" cy="261610"/>
+            </a:xfrm>
+            <a:prstGeom prst="rect">
+              <a:avLst/>
+            </a:prstGeom>
+            <a:solidFill>
+              <a:schemeClr val="tx1">
+                <a:lumMod val="65000"/>
+                <a:lumOff val="35000"/>
+              </a:schemeClr>
+            </a:solidFill>
+            <a:ln w="12700">
+              <a:solidFill>
+                <a:schemeClr val="tx1">
+                  <a:lumMod val="65000"/>
+                  <a:lumOff val="35000"/>
+                </a:schemeClr>
+              </a:solidFill>
+            </a:ln>
+          </p:spPr>
+          <p:txBody>
+            <a:bodyPr wrap="square">
+              <a:spAutoFit/>
+            </a:bodyPr>
+            <a:lstStyle/>
+            <a:p>
+              <a:r>
+                <a:rPr lang="en-US" sz="1100" b="1" dirty="0">
+                  <a:solidFill>
+                    <a:schemeClr val="bg1"/>
+                  </a:solidFill>
+                  <a:latin typeface="Courier New" panose="02070309020205020404" pitchFamily="49" charset="0"/>
+                  <a:cs typeface="Courier New" panose="02070309020205020404" pitchFamily="49" charset="0"/>
+                </a:rPr>
+                <a:t>out</a:t>
+              </a:r>
+            </a:p>
+          </p:txBody>
+        </p:sp>
+      </p:grpSp>
+      <p:sp>
+        <p:nvSpPr>
+          <p:cNvPr id="8" name="TextBox 7">
+            <a:extLst>
+              <a:ext uri="{FF2B5EF4-FFF2-40B4-BE49-F238E27FC236}">
+                <a16:creationId xmlns:a16="http://schemas.microsoft.com/office/drawing/2014/main" id="{F81419DF-898F-DD61-A762-1E0A31D3D44A}"/>
+              </a:ext>
+            </a:extLst>
+          </p:cNvPr>
+          <p:cNvSpPr txBox="1"/>
+          <p:nvPr/>
+        </p:nvSpPr>
+        <p:spPr>
+          <a:xfrm>
+            <a:off x="4207190" y="2138759"/>
+            <a:ext cx="3777091" cy="246221"/>
+          </a:xfrm>
+          <a:prstGeom prst="rect">
+            <a:avLst/>
+          </a:prstGeom>
+          <a:solidFill>
+            <a:schemeClr val="bg1"/>
+          </a:solidFill>
+          <a:ln w="12700">
+            <a:solidFill>
+              <a:schemeClr val="tx1"/>
+            </a:solidFill>
+          </a:ln>
+        </p:spPr>
+        <p:txBody>
+          <a:bodyPr wrap="square">
+            <a:spAutoFit/>
+          </a:bodyPr>
+          <a:lstStyle/>
+          <a:p>
+            <a:r>
+              <a:rPr lang="en-US" sz="1000" dirty="0">
+                <a:latin typeface="Arial" panose="020B0604020202020204" pitchFamily="34" charset="0"/>
+                <a:cs typeface="Arial" panose="020B0604020202020204" pitchFamily="34" charset="0"/>
+              </a:rPr>
+              <a:t>Nastran format input file</a:t>
+            </a:r>
+          </a:p>
+        </p:txBody>
+      </p:sp>
+      <p:sp>
+        <p:nvSpPr>
+          <p:cNvPr id="9" name="TextBox 8">
+            <a:extLst>
+              <a:ext uri="{FF2B5EF4-FFF2-40B4-BE49-F238E27FC236}">
+                <a16:creationId xmlns:a16="http://schemas.microsoft.com/office/drawing/2014/main" id="{642591CC-6393-5FCB-D8BD-D5D22187912F}"/>
+              </a:ext>
+            </a:extLst>
+          </p:cNvPr>
+          <p:cNvSpPr txBox="1"/>
+          <p:nvPr/>
+        </p:nvSpPr>
+        <p:spPr>
+          <a:xfrm>
+            <a:off x="4207190" y="1877149"/>
+            <a:ext cx="3777089" cy="261610"/>
+          </a:xfrm>
+          <a:prstGeom prst="rect">
+            <a:avLst/>
+          </a:prstGeom>
+          <a:solidFill>
+            <a:schemeClr val="tx1">
+              <a:lumMod val="65000"/>
+              <a:lumOff val="35000"/>
+            </a:schemeClr>
+          </a:solidFill>
+          <a:ln w="12700">
+            <a:solidFill>
+              <a:schemeClr val="tx1">
+                <a:lumMod val="65000"/>
+                <a:lumOff val="35000"/>
+              </a:schemeClr>
+            </a:solidFill>
+          </a:ln>
+        </p:spPr>
+        <p:txBody>
+          <a:bodyPr wrap="square">
+            <a:spAutoFit/>
+          </a:bodyPr>
+          <a:lstStyle/>
+          <a:p>
+            <a:r>
+              <a:rPr lang="en-US" sz="1100" b="1" dirty="0">
+                <a:solidFill>
+                  <a:schemeClr val="bg1"/>
+                </a:solidFill>
+                <a:latin typeface="Courier New" panose="02070309020205020404" pitchFamily="49" charset="0"/>
+                <a:cs typeface="Courier New" panose="02070309020205020404" pitchFamily="49" charset="0"/>
+              </a:rPr>
+              <a:t>example.dat</a:t>
+            </a:r>
+          </a:p>
+        </p:txBody>
+      </p:sp>
+      <p:grpSp>
+        <p:nvGrpSpPr>
+          <p:cNvPr id="17" name="Group 16">
+            <a:extLst>
+              <a:ext uri="{FF2B5EF4-FFF2-40B4-BE49-F238E27FC236}">
+                <a16:creationId xmlns:a16="http://schemas.microsoft.com/office/drawing/2014/main" id="{17782F55-5016-ED41-640C-9B2C393D23E4}"/>
+              </a:ext>
+            </a:extLst>
+          </p:cNvPr>
+          <p:cNvGrpSpPr/>
+          <p:nvPr/>
+        </p:nvGrpSpPr>
+        <p:grpSpPr>
+          <a:xfrm>
+            <a:off x="5498939" y="4073895"/>
+            <a:ext cx="1194122" cy="810250"/>
+            <a:chOff x="5513596" y="4035795"/>
+            <a:chExt cx="1194122" cy="810250"/>
+          </a:xfrm>
+        </p:grpSpPr>
+        <p:sp>
+          <p:nvSpPr>
+            <p:cNvPr id="10" name="TextBox 9">
+              <a:extLst>
+                <a:ext uri="{FF2B5EF4-FFF2-40B4-BE49-F238E27FC236}">
+                  <a16:creationId xmlns:a16="http://schemas.microsoft.com/office/drawing/2014/main" id="{C55A0A1D-E069-FF6B-8A3E-489A7A13311C}"/>
+                </a:ext>
+              </a:extLst>
+            </p:cNvPr>
+            <p:cNvSpPr txBox="1"/>
+            <p:nvPr/>
+          </p:nvSpPr>
+          <p:spPr>
+            <a:xfrm>
+              <a:off x="5513596" y="4297405"/>
+              <a:ext cx="1194122" cy="548640"/>
+            </a:xfrm>
+            <a:prstGeom prst="rect">
+              <a:avLst/>
+            </a:prstGeom>
+            <a:solidFill>
+              <a:schemeClr val="bg1"/>
+            </a:solidFill>
+            <a:ln w="12700">
+              <a:solidFill>
+                <a:schemeClr val="tx1"/>
+              </a:solidFill>
+            </a:ln>
+          </p:spPr>
+          <p:txBody>
+            <a:bodyPr wrap="square">
+              <a:spAutoFit/>
+            </a:bodyPr>
+            <a:lstStyle/>
+            <a:p>
+              <a:r>
+                <a:rPr lang="en-US" sz="1000" dirty="0">
+                  <a:latin typeface="Arial" panose="020B0604020202020204" pitchFamily="34" charset="0"/>
+                  <a:cs typeface="Arial" panose="020B0604020202020204" pitchFamily="34" charset="0"/>
+                </a:rPr>
+                <a:t>Human-readable text output file</a:t>
+              </a:r>
+            </a:p>
+          </p:txBody>
+        </p:sp>
+        <p:sp>
+          <p:nvSpPr>
+            <p:cNvPr id="11" name="TextBox 10">
+              <a:extLst>
+                <a:ext uri="{FF2B5EF4-FFF2-40B4-BE49-F238E27FC236}">
+                  <a16:creationId xmlns:a16="http://schemas.microsoft.com/office/drawing/2014/main" id="{CD596244-D248-F512-9284-411556BAB814}"/>
+                </a:ext>
+              </a:extLst>
+            </p:cNvPr>
+            <p:cNvSpPr txBox="1"/>
+            <p:nvPr/>
+          </p:nvSpPr>
+          <p:spPr>
+            <a:xfrm>
+              <a:off x="5513596" y="4035795"/>
+              <a:ext cx="1194122" cy="261610"/>
+            </a:xfrm>
+            <a:prstGeom prst="rect">
+              <a:avLst/>
+            </a:prstGeom>
+            <a:solidFill>
+              <a:schemeClr val="tx1">
+                <a:lumMod val="65000"/>
+                <a:lumOff val="35000"/>
+              </a:schemeClr>
+            </a:solidFill>
+            <a:ln w="12700">
+              <a:solidFill>
+                <a:schemeClr val="tx1">
+                  <a:lumMod val="65000"/>
+                  <a:lumOff val="35000"/>
+                </a:schemeClr>
+              </a:solidFill>
+            </a:ln>
+          </p:spPr>
+          <p:txBody>
+            <a:bodyPr wrap="square">
+              <a:spAutoFit/>
+            </a:bodyPr>
+            <a:lstStyle/>
+            <a:p>
+              <a:r>
+                <a:rPr lang="en-US" sz="1100" b="1" dirty="0">
+                  <a:solidFill>
+                    <a:schemeClr val="bg1"/>
+                  </a:solidFill>
+                  <a:latin typeface="Courier New" panose="02070309020205020404" pitchFamily="49" charset="0"/>
+                  <a:cs typeface="Courier New" panose="02070309020205020404" pitchFamily="49" charset="0"/>
+                </a:rPr>
+                <a:t>example.f06</a:t>
+              </a:r>
+            </a:p>
+          </p:txBody>
+        </p:sp>
+      </p:grpSp>
+      <p:grpSp>
+        <p:nvGrpSpPr>
+          <p:cNvPr id="19" name="Group 18">
+            <a:extLst>
+              <a:ext uri="{FF2B5EF4-FFF2-40B4-BE49-F238E27FC236}">
+                <a16:creationId xmlns:a16="http://schemas.microsoft.com/office/drawing/2014/main" id="{F1F8DE0B-0CBD-A01F-2DF3-28B627265C73}"/>
+              </a:ext>
+            </a:extLst>
+          </p:cNvPr>
+          <p:cNvGrpSpPr/>
+          <p:nvPr/>
+        </p:nvGrpSpPr>
+        <p:grpSpPr>
+          <a:xfrm>
+            <a:off x="6801507" y="4073895"/>
+            <a:ext cx="1183303" cy="810250"/>
+            <a:chOff x="6801507" y="4035795"/>
+            <a:chExt cx="1183303" cy="810250"/>
+          </a:xfrm>
+        </p:grpSpPr>
+        <p:sp>
+          <p:nvSpPr>
+            <p:cNvPr id="12" name="TextBox 11">
+              <a:extLst>
+                <a:ext uri="{FF2B5EF4-FFF2-40B4-BE49-F238E27FC236}">
+                  <a16:creationId xmlns:a16="http://schemas.microsoft.com/office/drawing/2014/main" id="{240F692A-5F7E-5F66-4AA8-563C6176CBD1}"/>
+                </a:ext>
+              </a:extLst>
+            </p:cNvPr>
+            <p:cNvSpPr txBox="1"/>
+            <p:nvPr/>
+          </p:nvSpPr>
+          <p:spPr>
+            <a:xfrm>
+              <a:off x="6802036" y="4297405"/>
+              <a:ext cx="1182774" cy="548640"/>
+            </a:xfrm>
+            <a:prstGeom prst="rect">
+              <a:avLst/>
+            </a:prstGeom>
+            <a:solidFill>
+              <a:schemeClr val="bg1"/>
+            </a:solidFill>
+            <a:ln w="12700">
+              <a:solidFill>
+                <a:schemeClr val="tx1"/>
+              </a:solidFill>
+            </a:ln>
+          </p:spPr>
+          <p:txBody>
+            <a:bodyPr wrap="square">
+              <a:spAutoFit/>
+            </a:bodyPr>
+            <a:lstStyle>
+              <a:defPPr>
+                <a:defRPr lang="en-US"/>
+              </a:defPPr>
+              <a:lvl1pPr>
+                <a:defRPr sz="1000">
+                  <a:latin typeface="Arial" panose="020B0604020202020204" pitchFamily="34" charset="0"/>
+                  <a:cs typeface="Arial" panose="020B0604020202020204" pitchFamily="34" charset="0"/>
+                </a:defRPr>
+              </a:lvl1pPr>
+            </a:lstStyle>
+            <a:p>
+              <a:r>
+                <a:rPr lang="en-US" dirty="0"/>
+                <a:t>MSC Nastran format HDF5 result file</a:t>
+              </a:r>
+            </a:p>
+          </p:txBody>
+        </p:sp>
+        <p:sp>
+          <p:nvSpPr>
+            <p:cNvPr id="13" name="TextBox 12">
+              <a:extLst>
+                <a:ext uri="{FF2B5EF4-FFF2-40B4-BE49-F238E27FC236}">
+                  <a16:creationId xmlns:a16="http://schemas.microsoft.com/office/drawing/2014/main" id="{4C91A30D-2C1C-F7D6-AE94-39CB60CD91DA}"/>
+                </a:ext>
+              </a:extLst>
+            </p:cNvPr>
+            <p:cNvSpPr txBox="1"/>
+            <p:nvPr/>
+          </p:nvSpPr>
+          <p:spPr>
+            <a:xfrm>
+              <a:off x="6801507" y="4035795"/>
+              <a:ext cx="1182774" cy="261610"/>
+            </a:xfrm>
+            <a:prstGeom prst="rect">
+              <a:avLst/>
+            </a:prstGeom>
+            <a:solidFill>
+              <a:schemeClr val="tx1">
+                <a:lumMod val="65000"/>
+                <a:lumOff val="35000"/>
+              </a:schemeClr>
+            </a:solidFill>
+            <a:ln w="12700">
+              <a:solidFill>
+                <a:schemeClr val="tx1">
+                  <a:lumMod val="65000"/>
+                  <a:lumOff val="35000"/>
+                </a:schemeClr>
+              </a:solidFill>
+            </a:ln>
+          </p:spPr>
+          <p:txBody>
+            <a:bodyPr wrap="square">
+              <a:spAutoFit/>
+            </a:bodyPr>
+            <a:lstStyle/>
+            <a:p>
+              <a:r>
+                <a:rPr lang="en-US" sz="1100" b="1" dirty="0">
+                  <a:solidFill>
+                    <a:schemeClr val="bg1"/>
+                  </a:solidFill>
+                  <a:latin typeface="Courier New" panose="02070309020205020404" pitchFamily="49" charset="0"/>
+                  <a:cs typeface="Courier New" panose="02070309020205020404" pitchFamily="49" charset="0"/>
+                </a:rPr>
+                <a:t>example.h5</a:t>
+              </a:r>
+            </a:p>
+          </p:txBody>
+        </p:sp>
+      </p:grpSp>
+      <p:sp>
+        <p:nvSpPr>
+          <p:cNvPr id="22" name="Arrow: Down 21">
+            <a:extLst>
+              <a:ext uri="{FF2B5EF4-FFF2-40B4-BE49-F238E27FC236}">
+                <a16:creationId xmlns:a16="http://schemas.microsoft.com/office/drawing/2014/main" id="{7517291E-9E23-102C-F462-FD20D7514657}"/>
+              </a:ext>
+            </a:extLst>
+          </p:cNvPr>
+          <p:cNvSpPr/>
+          <p:nvPr/>
+        </p:nvSpPr>
+        <p:spPr>
+          <a:xfrm>
+            <a:off x="6006514" y="3752151"/>
+            <a:ext cx="168417" cy="261610"/>
+          </a:xfrm>
+          <a:prstGeom prst="downArrow">
+            <a:avLst/>
+          </a:prstGeom>
+          <a:solidFill>
+            <a:schemeClr val="tx1"/>
+          </a:solidFill>
+          <a:ln>
+            <a:solidFill>
+              <a:schemeClr val="bg1"/>
+            </a:solidFill>
+          </a:ln>
+        </p:spPr>
+        <p:style>
+          <a:lnRef idx="2">
+            <a:schemeClr val="accent1">
+              <a:shade val="50000"/>
+            </a:schemeClr>
+          </a:lnRef>
+          <a:fillRef idx="1">
+            <a:schemeClr val="accent1"/>
+          </a:fillRef>
+          <a:effectRef idx="0">
+            <a:schemeClr val="accent1"/>
+          </a:effectRef>
+          <a:fontRef idx="minor">
+            <a:schemeClr val="lt1"/>
+          </a:fontRef>
+        </p:style>
+        <p:txBody>
+          <a:bodyPr rtlCol="0" anchor="ctr"/>
+          <a:lstStyle/>
+          <a:p>
+            <a:pPr algn="ctr"/>
+            <a:endParaRPr lang="en-US"/>
+          </a:p>
+        </p:txBody>
+      </p:sp>
+      <p:sp>
+        <p:nvSpPr>
+          <p:cNvPr id="24" name="Arrow: Down 23">
+            <a:extLst>
+              <a:ext uri="{FF2B5EF4-FFF2-40B4-BE49-F238E27FC236}">
+                <a16:creationId xmlns:a16="http://schemas.microsoft.com/office/drawing/2014/main" id="{0139481F-9143-2D31-DCAA-C7B4D88A0EB2}"/>
+              </a:ext>
+            </a:extLst>
+          </p:cNvPr>
+          <p:cNvSpPr/>
+          <p:nvPr/>
+        </p:nvSpPr>
+        <p:spPr>
+          <a:xfrm>
+            <a:off x="4720042" y="3752151"/>
+            <a:ext cx="168417" cy="261610"/>
+          </a:xfrm>
+          <a:prstGeom prst="downArrow">
+            <a:avLst/>
+          </a:prstGeom>
+          <a:solidFill>
+            <a:schemeClr val="tx1"/>
+          </a:solidFill>
+          <a:ln>
+            <a:solidFill>
+              <a:schemeClr val="bg1"/>
+            </a:solidFill>
+          </a:ln>
+        </p:spPr>
+        <p:style>
+          <a:lnRef idx="2">
+            <a:schemeClr val="accent1">
+              <a:shade val="50000"/>
+            </a:schemeClr>
+          </a:lnRef>
+          <a:fillRef idx="1">
+            <a:schemeClr val="accent1"/>
+          </a:fillRef>
+          <a:effectRef idx="0">
+            <a:schemeClr val="accent1"/>
+          </a:effectRef>
+          <a:fontRef idx="minor">
+            <a:schemeClr val="lt1"/>
+          </a:fontRef>
+        </p:style>
+        <p:txBody>
+          <a:bodyPr rtlCol="0" anchor="ctr"/>
+          <a:lstStyle/>
+          <a:p>
+            <a:pPr algn="ctr"/>
+            <a:endParaRPr lang="en-US"/>
+          </a:p>
+        </p:txBody>
+      </p:sp>
+      <p:sp>
+        <p:nvSpPr>
+          <p:cNvPr id="25" name="Arrow: Down 24">
+            <a:extLst>
+              <a:ext uri="{FF2B5EF4-FFF2-40B4-BE49-F238E27FC236}">
+                <a16:creationId xmlns:a16="http://schemas.microsoft.com/office/drawing/2014/main" id="{B48C4E79-6EB3-AE8C-DB77-429EA9BCB431}"/>
+              </a:ext>
+            </a:extLst>
+          </p:cNvPr>
+          <p:cNvSpPr/>
+          <p:nvPr/>
+        </p:nvSpPr>
+        <p:spPr>
+          <a:xfrm>
+            <a:off x="7308685" y="3745467"/>
+            <a:ext cx="168417" cy="261610"/>
+          </a:xfrm>
+          <a:prstGeom prst="downArrow">
+            <a:avLst/>
+          </a:prstGeom>
+          <a:solidFill>
+            <a:schemeClr val="tx1"/>
+          </a:solidFill>
+          <a:ln>
+            <a:solidFill>
+              <a:schemeClr val="bg1"/>
+            </a:solidFill>
+          </a:ln>
+        </p:spPr>
+        <p:style>
+          <a:lnRef idx="2">
+            <a:schemeClr val="accent1">
+              <a:shade val="50000"/>
+            </a:schemeClr>
+          </a:lnRef>
+          <a:fillRef idx="1">
+            <a:schemeClr val="accent1"/>
+          </a:fillRef>
+          <a:effectRef idx="0">
+            <a:schemeClr val="accent1"/>
+          </a:effectRef>
+          <a:fontRef idx="minor">
+            <a:schemeClr val="lt1"/>
+          </a:fontRef>
+        </p:style>
+        <p:txBody>
+          <a:bodyPr rtlCol="0" anchor="ctr"/>
+          <a:lstStyle/>
+          <a:p>
+            <a:pPr algn="ctr"/>
+            <a:endParaRPr lang="en-US"/>
+          </a:p>
+        </p:txBody>
+      </p:sp>
+      <p:sp>
+        <p:nvSpPr>
+          <p:cNvPr id="33" name="Arrow: Down 32">
+            <a:extLst>
+              <a:ext uri="{FF2B5EF4-FFF2-40B4-BE49-F238E27FC236}">
+                <a16:creationId xmlns:a16="http://schemas.microsoft.com/office/drawing/2014/main" id="{9ED1888D-6BB2-291F-90A7-B9E41EF17746}"/>
+              </a:ext>
+            </a:extLst>
+          </p:cNvPr>
+          <p:cNvSpPr/>
+          <p:nvPr/>
+        </p:nvSpPr>
+        <p:spPr>
+          <a:xfrm>
+            <a:off x="6006247" y="2417439"/>
+            <a:ext cx="168417" cy="261610"/>
+          </a:xfrm>
+          <a:prstGeom prst="downArrow">
+            <a:avLst/>
+          </a:prstGeom>
+          <a:solidFill>
+            <a:schemeClr val="tx1"/>
+          </a:solidFill>
+          <a:ln>
+            <a:solidFill>
+              <a:schemeClr val="bg1"/>
+            </a:solidFill>
+          </a:ln>
+        </p:spPr>
+        <p:style>
+          <a:lnRef idx="2">
+            <a:schemeClr val="accent1">
+              <a:shade val="50000"/>
+            </a:schemeClr>
+          </a:lnRef>
+          <a:fillRef idx="1">
+            <a:schemeClr val="accent1"/>
+          </a:fillRef>
+          <a:effectRef idx="0">
+            <a:schemeClr val="accent1"/>
+          </a:effectRef>
+          <a:fontRef idx="minor">
+            <a:schemeClr val="lt1"/>
+          </a:fontRef>
+        </p:style>
+        <p:txBody>
+          <a:bodyPr rtlCol="0" anchor="ctr"/>
+          <a:lstStyle/>
+          <a:p>
+            <a:pPr algn="ctr"/>
+            <a:endParaRPr lang="en-US"/>
+          </a:p>
+        </p:txBody>
+      </p:sp>
+      <p:grpSp>
+        <p:nvGrpSpPr>
+          <p:cNvPr id="26" name="Group 25">
+            <a:extLst>
+              <a:ext uri="{FF2B5EF4-FFF2-40B4-BE49-F238E27FC236}">
+                <a16:creationId xmlns:a16="http://schemas.microsoft.com/office/drawing/2014/main" id="{473596BE-0F4E-B7C3-9C3F-0EFC9065B640}"/>
+              </a:ext>
+            </a:extLst>
+          </p:cNvPr>
+          <p:cNvGrpSpPr/>
+          <p:nvPr/>
+        </p:nvGrpSpPr>
+        <p:grpSpPr>
+          <a:xfrm>
+            <a:off x="4201645" y="2709016"/>
+            <a:ext cx="3777620" cy="949167"/>
+            <a:chOff x="4207190" y="2901077"/>
+            <a:chExt cx="3777620" cy="949167"/>
+          </a:xfrm>
+        </p:grpSpPr>
+        <p:sp>
+          <p:nvSpPr>
+            <p:cNvPr id="27" name="Rectangle 26">
+              <a:extLst>
+                <a:ext uri="{FF2B5EF4-FFF2-40B4-BE49-F238E27FC236}">
+                  <a16:creationId xmlns:a16="http://schemas.microsoft.com/office/drawing/2014/main" id="{A8AAD2AD-1340-6EFB-ED15-C36D044E369E}"/>
+                </a:ext>
+              </a:extLst>
+            </p:cNvPr>
+            <p:cNvSpPr/>
+            <p:nvPr/>
+          </p:nvSpPr>
+          <p:spPr>
+            <a:xfrm>
+              <a:off x="4207190" y="2901077"/>
+              <a:ext cx="3777620" cy="949167"/>
+            </a:xfrm>
+            <a:prstGeom prst="rect">
+              <a:avLst/>
+            </a:prstGeom>
+            <a:solidFill>
+              <a:schemeClr val="bg1"/>
+            </a:solidFill>
+            <a:ln w="28575">
+              <a:solidFill>
+                <a:srgbClr val="595959"/>
+              </a:solidFill>
+            </a:ln>
+          </p:spPr>
+          <p:style>
+            <a:lnRef idx="2">
+              <a:schemeClr val="accent1">
+                <a:shade val="50000"/>
+              </a:schemeClr>
+            </a:lnRef>
+            <a:fillRef idx="1">
+              <a:schemeClr val="accent1"/>
+            </a:fillRef>
+            <a:effectRef idx="0">
+              <a:schemeClr val="accent1"/>
+            </a:effectRef>
+            <a:fontRef idx="minor">
+              <a:schemeClr val="lt1"/>
+            </a:fontRef>
+          </p:style>
+          <p:txBody>
+            <a:bodyPr rtlCol="0" anchor="ctr"/>
+            <a:lstStyle/>
+            <a:p>
+              <a:pPr algn="ctr"/>
+              <a:endParaRPr lang="en-US"/>
+            </a:p>
+          </p:txBody>
+        </p:sp>
+        <p:grpSp>
+          <p:nvGrpSpPr>
+            <p:cNvPr id="28" name="Group 27">
+              <a:extLst>
+                <a:ext uri="{FF2B5EF4-FFF2-40B4-BE49-F238E27FC236}">
+                  <a16:creationId xmlns:a16="http://schemas.microsoft.com/office/drawing/2014/main" id="{91CC8A16-CC0C-8840-2F3E-D282C666C80C}"/>
+                </a:ext>
+              </a:extLst>
+            </p:cNvPr>
+            <p:cNvGrpSpPr/>
+            <p:nvPr/>
+          </p:nvGrpSpPr>
+          <p:grpSpPr>
+            <a:xfrm>
+              <a:off x="5010825" y="3021996"/>
+              <a:ext cx="2170351" cy="814008"/>
+              <a:chOff x="4830902" y="3942350"/>
+              <a:chExt cx="2170351" cy="814008"/>
+            </a:xfrm>
+          </p:grpSpPr>
+          <p:pic>
+            <p:nvPicPr>
+              <p:cNvPr id="31" name="Picture 30">
+                <a:extLst>
+                  <a:ext uri="{FF2B5EF4-FFF2-40B4-BE49-F238E27FC236}">
+                    <a16:creationId xmlns:a16="http://schemas.microsoft.com/office/drawing/2014/main" id="{0B5DE236-D56C-7E7A-8E68-EF52FDCBB2FF}"/>
+                  </a:ext>
+                </a:extLst>
+              </p:cNvPr>
+              <p:cNvPicPr>
+                <a:picLocks noChangeAspect="1"/>
+              </p:cNvPicPr>
+              <p:nvPr/>
+            </p:nvPicPr>
+            <p:blipFill>
+              <a:blip r:embed="rId2">
+                <a:clrChange>
+                  <a:clrFrom>
+                    <a:srgbClr val="FFFFFF"/>
+                  </a:clrFrom>
+                  <a:clrTo>
+                    <a:srgbClr val="FFFFFF">
+                      <a:alpha val="0"/>
+                    </a:srgbClr>
+                  </a:clrTo>
+                </a:clrChange>
+              </a:blip>
+              <a:stretch>
+                <a:fillRect/>
+              </a:stretch>
+            </p:blipFill>
+            <p:spPr>
+              <a:xfrm>
+                <a:off x="5694321" y="3942350"/>
+                <a:ext cx="1306932" cy="651507"/>
+              </a:xfrm>
+              <a:prstGeom prst="rect">
+                <a:avLst/>
+              </a:prstGeom>
+              <a:noFill/>
+              <a:ln>
+                <a:noFill/>
+              </a:ln>
+            </p:spPr>
+          </p:pic>
+          <p:sp>
+            <p:nvSpPr>
+              <p:cNvPr id="34" name="TextBox 33">
+                <a:extLst>
+                  <a:ext uri="{FF2B5EF4-FFF2-40B4-BE49-F238E27FC236}">
+                    <a16:creationId xmlns:a16="http://schemas.microsoft.com/office/drawing/2014/main" id="{F1691C61-5310-16D5-7BFC-0975914D5D45}"/>
+                  </a:ext>
+                </a:extLst>
+              </p:cNvPr>
+              <p:cNvSpPr txBox="1"/>
+              <p:nvPr/>
+            </p:nvSpPr>
+            <p:spPr>
+              <a:xfrm>
+                <a:off x="4830902" y="3986917"/>
+                <a:ext cx="1627369" cy="769441"/>
+              </a:xfrm>
+              <a:prstGeom prst="rect">
+                <a:avLst/>
+              </a:prstGeom>
+              <a:noFill/>
+            </p:spPr>
+            <p:txBody>
+              <a:bodyPr wrap="square" rtlCol="0">
+                <a:spAutoFit/>
+              </a:bodyPr>
+              <a:lstStyle/>
+              <a:p>
+                <a:r>
+                  <a:rPr lang="en-US" sz="4400" i="1" dirty="0">
+                    <a:solidFill>
+                      <a:srgbClr val="502800"/>
+                    </a:solidFill>
+                    <a:latin typeface="Arial" panose="020B0604020202020204" pitchFamily="34" charset="0"/>
+                    <a:cs typeface="Arial" panose="020B0604020202020204" pitchFamily="34" charset="0"/>
+                  </a:rPr>
+                  <a:t>CoFE</a:t>
+                </a:r>
+                <a:endParaRPr lang="en-US" sz="4000" i="1" dirty="0">
+                  <a:solidFill>
+                    <a:srgbClr val="502800"/>
+                  </a:solidFill>
+                  <a:latin typeface="Arial" panose="020B0604020202020204" pitchFamily="34" charset="0"/>
+                  <a:cs typeface="Arial" panose="020B0604020202020204" pitchFamily="34" charset="0"/>
+                </a:endParaRPr>
+              </a:p>
+            </p:txBody>
+          </p:sp>
+        </p:grpSp>
+      </p:grpSp>
+      <p:sp>
+        <p:nvSpPr>
+          <p:cNvPr id="37" name="TextBox 36">
+            <a:extLst>
+              <a:ext uri="{FF2B5EF4-FFF2-40B4-BE49-F238E27FC236}">
+                <a16:creationId xmlns:a16="http://schemas.microsoft.com/office/drawing/2014/main" id="{2CF6F168-5A40-35C8-7191-2741A7191E0F}"/>
+              </a:ext>
+            </a:extLst>
+          </p:cNvPr>
+          <p:cNvSpPr txBox="1"/>
+          <p:nvPr/>
+        </p:nvSpPr>
+        <p:spPr>
+          <a:xfrm>
+            <a:off x="2901314" y="6260424"/>
+            <a:ext cx="6681637" cy="369332"/>
+          </a:xfrm>
+          <a:prstGeom prst="rect">
+            <a:avLst/>
+          </a:prstGeom>
+          <a:noFill/>
+        </p:spPr>
+        <p:txBody>
+          <a:bodyPr wrap="square">
+            <a:spAutoFit/>
+          </a:bodyPr>
+          <a:lstStyle/>
+          <a:p>
+            <a:r>
+              <a:rPr lang="en-US" sz="1800" dirty="0">
+                <a:latin typeface="Arial" panose="020B0604020202020204" pitchFamily="34" charset="0"/>
+                <a:cs typeface="Arial" panose="020B0604020202020204" pitchFamily="34" charset="0"/>
+              </a:rPr>
+              <a:t>Select -&gt; Right Click -&gt; Save As Picture -&gt; Choose SVG </a:t>
+            </a:r>
+            <a:endParaRPr lang="en-US" dirty="0"/>
+          </a:p>
+        </p:txBody>
+      </p:sp>
+    </p:spTree>
+    <p:extLst>
+      <p:ext uri="{BB962C8B-B14F-4D97-AF65-F5344CB8AC3E}">
+        <p14:creationId xmlns:p14="http://schemas.microsoft.com/office/powerpoint/2010/main" val="1746989864"/>
+      </p:ext>
+    </p:extLst>
+  </p:cSld>
+  <p:clrMapOvr>
+    <a:masterClrMapping/>
+  </p:clrMapOvr>
+</p:sld>
+</file>
+
+<file path=ppt/slides/slide6.xml><?xml version="1.0" encoding="utf-8"?>
+<p:sld xmlns:a="http://schemas.openxmlformats.org/drawingml/2006/main" xmlns:r="http://schemas.openxmlformats.org/officeDocument/2006/relationships" xmlns:p="http://schemas.openxmlformats.org/presentationml/2006/main">
+  <p:cSld>
+    <p:spTree>
+      <p:nvGrpSpPr>
+        <p:cNvPr id="1" name=""/>
+        <p:cNvGrpSpPr/>
+        <p:nvPr/>
+      </p:nvGrpSpPr>
+      <p:grpSpPr>
+        <a:xfrm>
+          <a:off x="0" y="0"/>
+          <a:ext cx="0" cy="0"/>
+          <a:chOff x="0" y="0"/>
+          <a:chExt cx="0" cy="0"/>
+        </a:xfrm>
+      </p:grpSpPr>
+      <p:pic>
+        <p:nvPicPr>
+          <p:cNvPr id="5" name="Picture 4">
+            <a:extLst>
+              <a:ext uri="{FF2B5EF4-FFF2-40B4-BE49-F238E27FC236}">
+                <a16:creationId xmlns:a16="http://schemas.microsoft.com/office/drawing/2014/main" id="{CE3EA22B-157F-D4C9-96A3-3FCCF8A09B8A}"/>
+              </a:ext>
+            </a:extLst>
+          </p:cNvPr>
+          <p:cNvPicPr>
+            <a:picLocks noChangeAspect="1"/>
+          </p:cNvPicPr>
+          <p:nvPr/>
+        </p:nvPicPr>
+        <p:blipFill>
+          <a:blip r:embed="rId2"/>
+          <a:stretch>
+            <a:fillRect/>
+          </a:stretch>
+        </p:blipFill>
+        <p:spPr>
+          <a:xfrm>
+            <a:off x="931779" y="1722788"/>
+            <a:ext cx="9782175" cy="2533650"/>
+          </a:xfrm>
+          <a:prstGeom prst="rect">
+            <a:avLst/>
+          </a:prstGeom>
+        </p:spPr>
+      </p:pic>
+    </p:spTree>
+    <p:extLst>
+      <p:ext uri="{BB962C8B-B14F-4D97-AF65-F5344CB8AC3E}">
+        <p14:creationId xmlns:p14="http://schemas.microsoft.com/office/powerpoint/2010/main" val="3955397207"/>
+      </p:ext>
+    </p:extLst>
+  </p:cSld>
+  <p:clrMapOvr>
+    <a:masterClrMapping/>
+  </p:clrMapOvr>
+</p:sld>
+</file>
+
+<file path=ppt/slides/slide7.xml><?xml version="1.0" encoding="utf-8"?>
+<p:sld xmlns:a="http://schemas.openxmlformats.org/drawingml/2006/main" xmlns:r="http://schemas.openxmlformats.org/officeDocument/2006/relationships" xmlns:p="http://schemas.openxmlformats.org/presentationml/2006/main">
+  <p:cSld>
+    <p:spTree>
+      <p:nvGrpSpPr>
+        <p:cNvPr id="1" name=""/>
+        <p:cNvGrpSpPr/>
+        <p:nvPr/>
+      </p:nvGrpSpPr>
+      <p:grpSpPr>
+        <a:xfrm>
+          <a:off x="0" y="0"/>
+          <a:ext cx="0" cy="0"/>
+          <a:chOff x="0" y="0"/>
+          <a:chExt cx="0" cy="0"/>
+        </a:xfrm>
+      </p:grpSpPr>
+      <p:sp>
+        <p:nvSpPr>
+          <p:cNvPr id="4" name="Rectangle 3">
+            <a:extLst>
+              <a:ext uri="{FF2B5EF4-FFF2-40B4-BE49-F238E27FC236}">
+                <a16:creationId xmlns:a16="http://schemas.microsoft.com/office/drawing/2014/main" id="{746B7B3B-762A-8266-269B-5A0619E941BF}"/>
+              </a:ext>
+            </a:extLst>
+          </p:cNvPr>
+          <p:cNvSpPr/>
+          <p:nvPr/>
+        </p:nvSpPr>
+        <p:spPr>
+          <a:xfrm>
+            <a:off x="798145" y="1668585"/>
+            <a:ext cx="10511693" cy="703384"/>
+          </a:xfrm>
+          <a:prstGeom prst="rect">
+            <a:avLst/>
+          </a:prstGeom>
+          <a:noFill/>
+          <a:ln>
+            <a:solidFill>
+              <a:schemeClr val="tx1"/>
+            </a:solidFill>
+          </a:ln>
+        </p:spPr>
+        <p:style>
+          <a:lnRef idx="2">
+            <a:schemeClr val="accent1">
+              <a:shade val="50000"/>
+            </a:schemeClr>
+          </a:lnRef>
+          <a:fillRef idx="1">
+            <a:schemeClr val="accent1"/>
+          </a:fillRef>
+          <a:effectRef idx="0">
+            <a:schemeClr val="accent1"/>
+          </a:effectRef>
+          <a:fontRef idx="minor">
+            <a:schemeClr val="lt1"/>
+          </a:fontRef>
+        </p:style>
+        <p:txBody>
+          <a:bodyPr rtlCol="0" anchor="ctr"/>
+          <a:lstStyle/>
+          <a:p>
+            <a:pPr algn="ctr"/>
+            <a:endParaRPr lang="en-US"/>
+          </a:p>
+        </p:txBody>
+      </p:sp>
+      <p:pic>
+        <p:nvPicPr>
+          <p:cNvPr id="1026" name="Picture 2">
+            <a:extLst>
+              <a:ext uri="{FF2B5EF4-FFF2-40B4-BE49-F238E27FC236}">
+                <a16:creationId xmlns:a16="http://schemas.microsoft.com/office/drawing/2014/main" id="{5BBAA50D-5075-0EE9-8F36-4B368023DBE0}"/>
+              </a:ext>
+            </a:extLst>
+          </p:cNvPr>
+          <p:cNvPicPr>
+            <a:picLocks noChangeAspect="1" noChangeArrowheads="1"/>
+          </p:cNvPicPr>
+          <p:nvPr/>
+        </p:nvPicPr>
+        <p:blipFill>
+          <a:blip r:embed="rId2">
+            <a:extLst>
+              <a:ext uri="{28A0092B-C50C-407E-A947-70E740481C1C}">
+                <a14:useLocalDpi xmlns:a14="http://schemas.microsoft.com/office/drawing/2010/main" val="0"/>
+              </a:ext>
+            </a:extLst>
+          </a:blip>
+          <a:srcRect/>
+          <a:stretch>
+            <a:fillRect/>
+          </a:stretch>
+        </p:blipFill>
+        <p:spPr bwMode="auto">
+          <a:xfrm>
+            <a:off x="954454" y="1796318"/>
+            <a:ext cx="446584" cy="401055"/>
+          </a:xfrm>
+          <a:prstGeom prst="rect">
+            <a:avLst/>
+          </a:prstGeom>
+          <a:noFill/>
+          <a:extLst>
+            <a:ext uri="{909E8E84-426E-40DD-AFC4-6F175D3DCCD1}">
+              <a14:hiddenFill xmlns:a14="http://schemas.microsoft.com/office/drawing/2010/main">
+                <a:solidFill>
+                  <a:srgbClr val="FFFFFF"/>
+                </a:solidFill>
+              </a14:hiddenFill>
+            </a:ext>
+          </a:extLst>
+        </p:spPr>
+      </p:pic>
+      <p:sp>
+        <p:nvSpPr>
+          <p:cNvPr id="3" name="TextBox 2">
+            <a:extLst>
+              <a:ext uri="{FF2B5EF4-FFF2-40B4-BE49-F238E27FC236}">
+                <a16:creationId xmlns:a16="http://schemas.microsoft.com/office/drawing/2014/main" id="{3BA92EF9-321E-CB9A-3461-4383149A9B3F}"/>
+              </a:ext>
+            </a:extLst>
+          </p:cNvPr>
+          <p:cNvSpPr txBox="1"/>
+          <p:nvPr/>
+        </p:nvSpPr>
+        <p:spPr>
+          <a:xfrm>
+            <a:off x="1412916" y="1726441"/>
+            <a:ext cx="1574470" cy="584775"/>
+          </a:xfrm>
+          <a:prstGeom prst="rect">
+            <a:avLst/>
+          </a:prstGeom>
+          <a:noFill/>
+        </p:spPr>
+        <p:txBody>
+          <a:bodyPr wrap="none" rtlCol="0">
+            <a:spAutoFit/>
+          </a:bodyPr>
+          <a:lstStyle/>
+          <a:p>
+            <a:r>
+              <a:rPr lang="en-US" sz="3200" dirty="0"/>
+              <a:t>MATLAB</a:t>
+            </a:r>
+          </a:p>
+        </p:txBody>
+      </p:sp>
+      <p:sp>
+        <p:nvSpPr>
+          <p:cNvPr id="7" name="Rectangle 6">
+            <a:extLst>
+              <a:ext uri="{FF2B5EF4-FFF2-40B4-BE49-F238E27FC236}">
+                <a16:creationId xmlns:a16="http://schemas.microsoft.com/office/drawing/2014/main" id="{BD9FF974-8E03-B00E-07D0-EF77633AB04C}"/>
+              </a:ext>
+            </a:extLst>
+          </p:cNvPr>
+          <p:cNvSpPr/>
+          <p:nvPr/>
+        </p:nvSpPr>
+        <p:spPr>
+          <a:xfrm>
+            <a:off x="798145" y="2369072"/>
+            <a:ext cx="2868247" cy="703384"/>
+          </a:xfrm>
+          <a:prstGeom prst="rect">
+            <a:avLst/>
+          </a:prstGeom>
+          <a:noFill/>
+          <a:ln>
+            <a:solidFill>
+              <a:schemeClr val="tx1"/>
+            </a:solidFill>
+          </a:ln>
+        </p:spPr>
+        <p:style>
+          <a:lnRef idx="2">
+            <a:schemeClr val="accent1">
+              <a:shade val="50000"/>
+            </a:schemeClr>
+          </a:lnRef>
+          <a:fillRef idx="1">
+            <a:schemeClr val="accent1"/>
+          </a:fillRef>
+          <a:effectRef idx="0">
+            <a:schemeClr val="accent1"/>
+          </a:effectRef>
+          <a:fontRef idx="minor">
+            <a:schemeClr val="lt1"/>
+          </a:fontRef>
+        </p:style>
+        <p:txBody>
+          <a:bodyPr rtlCol="0" anchor="ctr"/>
+          <a:lstStyle/>
+          <a:p>
+            <a:pPr algn="ctr"/>
+            <a:endParaRPr lang="en-US"/>
+          </a:p>
+        </p:txBody>
+      </p:sp>
+      <p:sp>
+        <p:nvSpPr>
+          <p:cNvPr id="8" name="TextBox 7">
+            <a:extLst>
+              <a:ext uri="{FF2B5EF4-FFF2-40B4-BE49-F238E27FC236}">
+                <a16:creationId xmlns:a16="http://schemas.microsoft.com/office/drawing/2014/main" id="{97F4BC71-9785-157B-2998-E34B85AB41B5}"/>
+              </a:ext>
+            </a:extLst>
+          </p:cNvPr>
+          <p:cNvSpPr txBox="1"/>
+          <p:nvPr/>
+        </p:nvSpPr>
+        <p:spPr>
+          <a:xfrm>
+            <a:off x="954454" y="2429825"/>
+            <a:ext cx="2604816" cy="584775"/>
+          </a:xfrm>
+          <a:prstGeom prst="rect">
+            <a:avLst/>
+          </a:prstGeom>
+          <a:noFill/>
+        </p:spPr>
+        <p:txBody>
+          <a:bodyPr wrap="none" rtlCol="0">
+            <a:spAutoFit/>
+          </a:bodyPr>
+          <a:lstStyle/>
+          <a:p>
+            <a:r>
+              <a:rPr lang="en-US" sz="3200" dirty="0"/>
+              <a:t>Current Folder</a:t>
+            </a:r>
+          </a:p>
+        </p:txBody>
+      </p:sp>
+      <p:sp>
+        <p:nvSpPr>
+          <p:cNvPr id="9" name="Rectangle 8">
+            <a:extLst>
+              <a:ext uri="{FF2B5EF4-FFF2-40B4-BE49-F238E27FC236}">
+                <a16:creationId xmlns:a16="http://schemas.microsoft.com/office/drawing/2014/main" id="{F7F66A3F-B4A4-A76E-D89C-29227629BB62}"/>
+              </a:ext>
+            </a:extLst>
+          </p:cNvPr>
+          <p:cNvSpPr/>
+          <p:nvPr/>
+        </p:nvSpPr>
+        <p:spPr>
+          <a:xfrm>
+            <a:off x="3666392" y="2368645"/>
+            <a:ext cx="4883639" cy="703384"/>
+          </a:xfrm>
+          <a:prstGeom prst="rect">
+            <a:avLst/>
+          </a:prstGeom>
+          <a:noFill/>
+          <a:ln>
+            <a:solidFill>
+              <a:schemeClr val="tx1"/>
+            </a:solidFill>
+          </a:ln>
+        </p:spPr>
+        <p:style>
+          <a:lnRef idx="2">
+            <a:schemeClr val="accent1">
+              <a:shade val="50000"/>
+            </a:schemeClr>
+          </a:lnRef>
+          <a:fillRef idx="1">
+            <a:schemeClr val="accent1"/>
+          </a:fillRef>
+          <a:effectRef idx="0">
+            <a:schemeClr val="accent1"/>
+          </a:effectRef>
+          <a:fontRef idx="minor">
+            <a:schemeClr val="lt1"/>
+          </a:fontRef>
+        </p:style>
+        <p:txBody>
+          <a:bodyPr rtlCol="0" anchor="ctr"/>
+          <a:lstStyle/>
+          <a:p>
+            <a:pPr algn="ctr"/>
+            <a:endParaRPr lang="en-US"/>
+          </a:p>
+        </p:txBody>
+      </p:sp>
+      <p:sp>
+        <p:nvSpPr>
+          <p:cNvPr id="10" name="TextBox 9">
+            <a:extLst>
+              <a:ext uri="{FF2B5EF4-FFF2-40B4-BE49-F238E27FC236}">
+                <a16:creationId xmlns:a16="http://schemas.microsoft.com/office/drawing/2014/main" id="{47FA7A58-41F4-20DE-29E2-42B37CA01061}"/>
+              </a:ext>
+            </a:extLst>
+          </p:cNvPr>
+          <p:cNvSpPr txBox="1"/>
+          <p:nvPr/>
+        </p:nvSpPr>
+        <p:spPr>
+          <a:xfrm>
+            <a:off x="3773514" y="2436513"/>
+            <a:ext cx="3494867" cy="584775"/>
+          </a:xfrm>
+          <a:prstGeom prst="rect">
+            <a:avLst/>
+          </a:prstGeom>
+          <a:noFill/>
+        </p:spPr>
+        <p:txBody>
+          <a:bodyPr wrap="none" rtlCol="0">
+            <a:spAutoFit/>
+          </a:bodyPr>
+          <a:lstStyle/>
+          <a:p>
+            <a:r>
+              <a:rPr lang="en-US" sz="3200" dirty="0"/>
+              <a:t>Command Window</a:t>
+            </a:r>
+          </a:p>
+        </p:txBody>
+      </p:sp>
+      <p:sp>
+        <p:nvSpPr>
+          <p:cNvPr id="11" name="TextBox 10">
+            <a:extLst>
+              <a:ext uri="{FF2B5EF4-FFF2-40B4-BE49-F238E27FC236}">
+                <a16:creationId xmlns:a16="http://schemas.microsoft.com/office/drawing/2014/main" id="{B02EC665-2725-7B74-160E-F6876809099F}"/>
+              </a:ext>
+            </a:extLst>
+          </p:cNvPr>
+          <p:cNvSpPr txBox="1"/>
+          <p:nvPr/>
+        </p:nvSpPr>
+        <p:spPr>
+          <a:xfrm>
+            <a:off x="9009822" y="2427949"/>
+            <a:ext cx="2024721" cy="584775"/>
+          </a:xfrm>
+          <a:prstGeom prst="rect">
+            <a:avLst/>
+          </a:prstGeom>
+          <a:noFill/>
+        </p:spPr>
+        <p:txBody>
+          <a:bodyPr wrap="none" rtlCol="0">
+            <a:spAutoFit/>
+          </a:bodyPr>
+          <a:lstStyle/>
+          <a:p>
+            <a:r>
+              <a:rPr lang="en-US" sz="3200" dirty="0"/>
+              <a:t>Workspace</a:t>
+            </a:r>
+          </a:p>
+        </p:txBody>
+      </p:sp>
+      <p:sp>
+        <p:nvSpPr>
+          <p:cNvPr id="12" name="Rectangle 11">
+            <a:extLst>
+              <a:ext uri="{FF2B5EF4-FFF2-40B4-BE49-F238E27FC236}">
+                <a16:creationId xmlns:a16="http://schemas.microsoft.com/office/drawing/2014/main" id="{A5C8E90A-E0E2-8029-6F88-35AB95842779}"/>
+              </a:ext>
+            </a:extLst>
+          </p:cNvPr>
+          <p:cNvSpPr/>
+          <p:nvPr/>
+        </p:nvSpPr>
+        <p:spPr>
+          <a:xfrm>
+            <a:off x="8550031" y="2368645"/>
+            <a:ext cx="2759807" cy="703384"/>
+          </a:xfrm>
+          <a:prstGeom prst="rect">
+            <a:avLst/>
+          </a:prstGeom>
+          <a:noFill/>
+          <a:ln>
+            <a:solidFill>
+              <a:schemeClr val="tx1"/>
+            </a:solidFill>
+          </a:ln>
+        </p:spPr>
+        <p:style>
+          <a:lnRef idx="2">
+            <a:schemeClr val="accent1">
+              <a:shade val="50000"/>
+            </a:schemeClr>
+          </a:lnRef>
+          <a:fillRef idx="1">
+            <a:schemeClr val="accent1"/>
+          </a:fillRef>
+          <a:effectRef idx="0">
+            <a:schemeClr val="accent1"/>
+          </a:effectRef>
+          <a:fontRef idx="minor">
+            <a:schemeClr val="lt1"/>
+          </a:fontRef>
+        </p:style>
+        <p:txBody>
+          <a:bodyPr rtlCol="0" anchor="ctr"/>
+          <a:lstStyle/>
+          <a:p>
+            <a:pPr algn="ctr"/>
+            <a:endParaRPr lang="en-US"/>
+          </a:p>
+        </p:txBody>
+      </p:sp>
+      <p:sp>
+        <p:nvSpPr>
+          <p:cNvPr id="15" name="TextBox 14">
+            <a:extLst>
+              <a:ext uri="{FF2B5EF4-FFF2-40B4-BE49-F238E27FC236}">
+                <a16:creationId xmlns:a16="http://schemas.microsoft.com/office/drawing/2014/main" id="{0B8D0AF5-B504-6197-00B8-03CD39C84FAA}"/>
+              </a:ext>
+            </a:extLst>
+          </p:cNvPr>
+          <p:cNvSpPr txBox="1"/>
+          <p:nvPr/>
+        </p:nvSpPr>
+        <p:spPr>
+          <a:xfrm>
+            <a:off x="1401038" y="3155142"/>
+            <a:ext cx="2247731" cy="584775"/>
+          </a:xfrm>
+          <a:prstGeom prst="rect">
+            <a:avLst/>
+          </a:prstGeom>
+          <a:noFill/>
+        </p:spPr>
+        <p:txBody>
+          <a:bodyPr wrap="none" rtlCol="0">
+            <a:spAutoFit/>
+          </a:bodyPr>
+          <a:lstStyle/>
+          <a:p>
+            <a:r>
+              <a:rPr lang="en-US" sz="3200" dirty="0"/>
+              <a:t>example.dat</a:t>
+            </a:r>
+          </a:p>
+        </p:txBody>
+      </p:sp>
+      <p:pic>
+        <p:nvPicPr>
+          <p:cNvPr id="16" name="Graphic 15" descr="Paper">
+            <a:extLst>
+              <a:ext uri="{FF2B5EF4-FFF2-40B4-BE49-F238E27FC236}">
+                <a16:creationId xmlns:a16="http://schemas.microsoft.com/office/drawing/2014/main" id="{AE8CA6C8-CFB1-800B-A31B-137E80103444}"/>
+              </a:ext>
+            </a:extLst>
+          </p:cNvPr>
+          <p:cNvPicPr>
+            <a:picLocks noChangeAspect="1"/>
+          </p:cNvPicPr>
+          <p:nvPr/>
+        </p:nvPicPr>
+        <p:blipFill>
+          <a:blip r:embed="rId3">
+            <a:extLst>
+              <a:ext uri="{28A0092B-C50C-407E-A947-70E740481C1C}">
+                <a14:useLocalDpi xmlns:a14="http://schemas.microsoft.com/office/drawing/2010/main" val="0"/>
+              </a:ext>
+              <a:ext uri="{96DAC541-7B7A-43D3-8B79-37D633B846F1}">
+                <asvg:svgBlip xmlns:asvg="http://schemas.microsoft.com/office/drawing/2016/SVG/main" r:embed="rId4"/>
+              </a:ext>
+            </a:extLst>
+          </a:blip>
+          <a:stretch>
+            <a:fillRect/>
+          </a:stretch>
+        </p:blipFill>
+        <p:spPr>
+          <a:xfrm>
+            <a:off x="885358" y="3136612"/>
+            <a:ext cx="584775" cy="584775"/>
+          </a:xfrm>
+          <a:prstGeom prst="rect">
+            <a:avLst/>
+          </a:prstGeom>
+        </p:spPr>
+      </p:pic>
+      <p:sp>
+        <p:nvSpPr>
+          <p:cNvPr id="19" name="TextBox 18">
+            <a:extLst>
+              <a:ext uri="{FF2B5EF4-FFF2-40B4-BE49-F238E27FC236}">
+                <a16:creationId xmlns:a16="http://schemas.microsoft.com/office/drawing/2014/main" id="{24F9C349-11C9-1BA3-DDE8-78D6AB38D9B0}"/>
+              </a:ext>
+            </a:extLst>
+          </p:cNvPr>
+          <p:cNvSpPr txBox="1"/>
+          <p:nvPr/>
+        </p:nvSpPr>
+        <p:spPr>
+          <a:xfrm>
+            <a:off x="3666392" y="3216697"/>
+            <a:ext cx="6096000" cy="523220"/>
+          </a:xfrm>
+          <a:prstGeom prst="rect">
+            <a:avLst/>
+          </a:prstGeom>
+          <a:noFill/>
+        </p:spPr>
+        <p:txBody>
+          <a:bodyPr wrap="square">
+            <a:spAutoFit/>
+          </a:bodyPr>
+          <a:lstStyle/>
+          <a:p>
+            <a:r>
+              <a:rPr lang="en-US" sz="2800" b="1" dirty="0">
+                <a:latin typeface="Courier New" panose="02070309020205020404" pitchFamily="49" charset="0"/>
+                <a:cs typeface="Courier New" panose="02070309020205020404" pitchFamily="49" charset="0"/>
+              </a:rPr>
+              <a:t>&gt;&gt;out=</a:t>
+            </a:r>
+            <a:r>
+              <a:rPr lang="en-US" sz="2800" b="1" dirty="0" err="1">
+                <a:latin typeface="Courier New" panose="02070309020205020404" pitchFamily="49" charset="0"/>
+                <a:cs typeface="Courier New" panose="02070309020205020404" pitchFamily="49" charset="0"/>
+              </a:rPr>
+              <a:t>Cofe</a:t>
+            </a:r>
+            <a:r>
+              <a:rPr lang="en-US" sz="2800" b="1" dirty="0">
+                <a:latin typeface="Courier New" panose="02070309020205020404" pitchFamily="49" charset="0"/>
+                <a:cs typeface="Courier New" panose="02070309020205020404" pitchFamily="49" charset="0"/>
+              </a:rPr>
+              <a:t>(‘example.dat’);</a:t>
+            </a:r>
+          </a:p>
+        </p:txBody>
+      </p:sp>
+      <p:sp>
+        <p:nvSpPr>
+          <p:cNvPr id="20" name="Rectangle 19">
+            <a:extLst>
+              <a:ext uri="{FF2B5EF4-FFF2-40B4-BE49-F238E27FC236}">
+                <a16:creationId xmlns:a16="http://schemas.microsoft.com/office/drawing/2014/main" id="{F869FAD5-3E6B-6FDD-671A-51C768683660}"/>
+              </a:ext>
+            </a:extLst>
+          </p:cNvPr>
+          <p:cNvSpPr/>
+          <p:nvPr/>
+        </p:nvSpPr>
+        <p:spPr>
+          <a:xfrm>
+            <a:off x="822738" y="3037116"/>
+            <a:ext cx="2868247" cy="703384"/>
+          </a:xfrm>
+          <a:prstGeom prst="rect">
+            <a:avLst/>
+          </a:prstGeom>
+          <a:noFill/>
+          <a:ln>
+            <a:solidFill>
+              <a:schemeClr val="tx1"/>
+            </a:solidFill>
+          </a:ln>
+        </p:spPr>
+        <p:style>
+          <a:lnRef idx="2">
+            <a:schemeClr val="accent1">
+              <a:shade val="50000"/>
+            </a:schemeClr>
+          </a:lnRef>
+          <a:fillRef idx="1">
+            <a:schemeClr val="accent1"/>
+          </a:fillRef>
+          <a:effectRef idx="0">
+            <a:schemeClr val="accent1"/>
+          </a:effectRef>
+          <a:fontRef idx="minor">
+            <a:schemeClr val="lt1"/>
+          </a:fontRef>
+        </p:style>
+        <p:txBody>
+          <a:bodyPr rtlCol="0" anchor="ctr"/>
+          <a:lstStyle/>
+          <a:p>
+            <a:pPr algn="ctr"/>
+            <a:endParaRPr lang="en-US"/>
+          </a:p>
+        </p:txBody>
+      </p:sp>
+    </p:spTree>
+    <p:extLst>
+      <p:ext uri="{BB962C8B-B14F-4D97-AF65-F5344CB8AC3E}">
+        <p14:creationId xmlns:p14="http://schemas.microsoft.com/office/powerpoint/2010/main" val="2415011410"/>
+      </p:ext>
+    </p:extLst>
+  </p:cSld>
+  <p:clrMapOvr>
+    <a:masterClrMapping/>
+  </p:clrMapOvr>
+</p:sld>
+</file>
+
+<file path=ppt/slides/slide8.xml><?xml version="1.0" encoding="utf-8"?>
+<p:sld xmlns:a="http://schemas.openxmlformats.org/drawingml/2006/main" xmlns:r="http://schemas.openxmlformats.org/officeDocument/2006/relationships" xmlns:p="http://schemas.openxmlformats.org/presentationml/2006/main">
+  <p:cSld>
+    <p:spTree>
+      <p:nvGrpSpPr>
+        <p:cNvPr id="1" name=""/>
+        <p:cNvGrpSpPr/>
+        <p:nvPr/>
+      </p:nvGrpSpPr>
+      <p:grpSpPr>
+        <a:xfrm>
+          <a:off x="0" y="0"/>
+          <a:ext cx="0" cy="0"/>
+          <a:chOff x="0" y="0"/>
+          <a:chExt cx="0" cy="0"/>
+        </a:xfrm>
+      </p:grpSpPr>
+      <p:pic>
+        <p:nvPicPr>
+          <p:cNvPr id="7" name="Picture 6">
+            <a:extLst>
+              <a:ext uri="{FF2B5EF4-FFF2-40B4-BE49-F238E27FC236}">
+                <a16:creationId xmlns:a16="http://schemas.microsoft.com/office/drawing/2014/main" id="{B7DEA98E-A318-FE63-5A90-C506B3F34558}"/>
+              </a:ext>
+            </a:extLst>
+          </p:cNvPr>
+          <p:cNvPicPr>
+            <a:picLocks noChangeAspect="1"/>
+          </p:cNvPicPr>
+          <p:nvPr/>
+        </p:nvPicPr>
+        <p:blipFill>
+          <a:blip r:embed="rId2"/>
+          <a:stretch>
+            <a:fillRect/>
+          </a:stretch>
+        </p:blipFill>
+        <p:spPr>
+          <a:xfrm>
+            <a:off x="1963860" y="496887"/>
+            <a:ext cx="6419850" cy="2409825"/>
+          </a:xfrm>
+          <a:prstGeom prst="rect">
+            <a:avLst/>
+          </a:prstGeom>
+        </p:spPr>
+      </p:pic>
+      <p:pic>
+        <p:nvPicPr>
+          <p:cNvPr id="9" name="Picture 8">
+            <a:extLst>
+              <a:ext uri="{FF2B5EF4-FFF2-40B4-BE49-F238E27FC236}">
+                <a16:creationId xmlns:a16="http://schemas.microsoft.com/office/drawing/2014/main" id="{F8CAF4D3-BBD6-83BB-D589-38774EDCC232}"/>
+              </a:ext>
+            </a:extLst>
+          </p:cNvPr>
+          <p:cNvPicPr>
+            <a:picLocks noChangeAspect="1"/>
+          </p:cNvPicPr>
+          <p:nvPr/>
+        </p:nvPicPr>
+        <p:blipFill>
+          <a:blip r:embed="rId3"/>
+          <a:stretch>
+            <a:fillRect/>
+          </a:stretch>
+        </p:blipFill>
+        <p:spPr>
+          <a:xfrm>
+            <a:off x="1963860" y="3234958"/>
+            <a:ext cx="6419850" cy="2409825"/>
+          </a:xfrm>
+          <a:prstGeom prst="rect">
+            <a:avLst/>
+          </a:prstGeom>
+        </p:spPr>
+      </p:pic>
+    </p:spTree>
+    <p:extLst>
+      <p:ext uri="{BB962C8B-B14F-4D97-AF65-F5344CB8AC3E}">
+        <p14:creationId xmlns:p14="http://schemas.microsoft.com/office/powerpoint/2010/main" val="3601201222"/>
+      </p:ext>
+    </p:extLst>
+  </p:cSld>
+  <p:clrMapOvr>
+    <a:masterClrMapping/>
+  </p:clrMapOvr>
+</p:sld>
+</file>
+
+<file path=ppt/slides/slide9.xml><?xml version="1.0" encoding="utf-8"?>
+<p:sld xmlns:a="http://schemas.openxmlformats.org/drawingml/2006/main" xmlns:r="http://schemas.openxmlformats.org/officeDocument/2006/relationships" xmlns:p="http://schemas.openxmlformats.org/presentationml/2006/main">
+  <p:cSld>
+    <p:spTree>
+      <p:nvGrpSpPr>
+        <p:cNvPr id="1" name=""/>
+        <p:cNvGrpSpPr/>
+        <p:nvPr/>
+      </p:nvGrpSpPr>
+      <p:grpSpPr>
+        <a:xfrm>
+          <a:off x="0" y="0"/>
+          <a:ext cx="0" cy="0"/>
+          <a:chOff x="0" y="0"/>
+          <a:chExt cx="0" cy="0"/>
+        </a:xfrm>
+      </p:grpSpPr>
+      <p:pic>
+        <p:nvPicPr>
+          <p:cNvPr id="7" name="Picture 6">
+            <a:extLst>
+              <a:ext uri="{FF2B5EF4-FFF2-40B4-BE49-F238E27FC236}">
+                <a16:creationId xmlns:a16="http://schemas.microsoft.com/office/drawing/2014/main" id="{B7DEA98E-A318-FE63-5A90-C506B3F34558}"/>
+              </a:ext>
+            </a:extLst>
+          </p:cNvPr>
+          <p:cNvPicPr>
+            <a:picLocks noChangeAspect="1"/>
+          </p:cNvPicPr>
+          <p:nvPr/>
+        </p:nvPicPr>
+        <p:blipFill rotWithShape="1">
+          <a:blip r:embed="rId2"/>
+          <a:srcRect t="32568" b="28440"/>
+          <a:stretch/>
+        </p:blipFill>
+        <p:spPr>
+          <a:xfrm>
+            <a:off x="1963860" y="1775314"/>
+            <a:ext cx="6419850" cy="939620"/>
+          </a:xfrm>
+          <a:prstGeom prst="rect">
+            <a:avLst/>
+          </a:prstGeom>
+        </p:spPr>
+      </p:pic>
+      <p:pic>
+        <p:nvPicPr>
+          <p:cNvPr id="9" name="Picture 8">
+            <a:extLst>
+              <a:ext uri="{FF2B5EF4-FFF2-40B4-BE49-F238E27FC236}">
+                <a16:creationId xmlns:a16="http://schemas.microsoft.com/office/drawing/2014/main" id="{F8CAF4D3-BBD6-83BB-D589-38774EDCC232}"/>
+              </a:ext>
+            </a:extLst>
+          </p:cNvPr>
+          <p:cNvPicPr>
+            <a:picLocks noChangeAspect="1"/>
+          </p:cNvPicPr>
+          <p:nvPr/>
+        </p:nvPicPr>
+        <p:blipFill rotWithShape="1">
+          <a:blip r:embed="rId3"/>
+          <a:srcRect t="32568" b="28524"/>
+          <a:stretch/>
+        </p:blipFill>
+        <p:spPr>
+          <a:xfrm>
+            <a:off x="1963860" y="4019795"/>
+            <a:ext cx="6419850" cy="937602"/>
+          </a:xfrm>
+          <a:prstGeom prst="rect">
+            <a:avLst/>
+          </a:prstGeom>
+        </p:spPr>
+      </p:pic>
+      <p:grpSp>
+        <p:nvGrpSpPr>
+          <p:cNvPr id="3" name="Group 2">
+            <a:extLst>
+              <a:ext uri="{FF2B5EF4-FFF2-40B4-BE49-F238E27FC236}">
+                <a16:creationId xmlns:a16="http://schemas.microsoft.com/office/drawing/2014/main" id="{184C2E21-8889-33BE-D12E-B7E34369E369}"/>
+              </a:ext>
+            </a:extLst>
+          </p:cNvPr>
+          <p:cNvGrpSpPr/>
+          <p:nvPr/>
+        </p:nvGrpSpPr>
+        <p:grpSpPr>
+          <a:xfrm>
+            <a:off x="1963860" y="3697410"/>
+            <a:ext cx="6419850" cy="322384"/>
+            <a:chOff x="1963860" y="3697410"/>
+            <a:chExt cx="6419850" cy="322384"/>
+          </a:xfrm>
+        </p:grpSpPr>
+        <p:pic>
+          <p:nvPicPr>
+            <p:cNvPr id="5" name="Picture 4">
+              <a:extLst>
+                <a:ext uri="{FF2B5EF4-FFF2-40B4-BE49-F238E27FC236}">
+                  <a16:creationId xmlns:a16="http://schemas.microsoft.com/office/drawing/2014/main" id="{0F3CC52B-538F-C577-8368-2D0877E01BEF}"/>
+                </a:ext>
+              </a:extLst>
+            </p:cNvPr>
+            <p:cNvPicPr>
+              <a:picLocks noChangeAspect="1"/>
+            </p:cNvPicPr>
+            <p:nvPr/>
+          </p:nvPicPr>
+          <p:blipFill rotWithShape="1">
+            <a:blip r:embed="rId3"/>
+            <a:srcRect t="-299" b="86921"/>
+            <a:stretch/>
+          </p:blipFill>
+          <p:spPr>
+            <a:xfrm>
+              <a:off x="1963860" y="3697410"/>
+              <a:ext cx="6419850" cy="322384"/>
+            </a:xfrm>
+            <a:prstGeom prst="rect">
+              <a:avLst/>
+            </a:prstGeom>
+          </p:spPr>
+        </p:pic>
+        <p:sp>
+          <p:nvSpPr>
+            <p:cNvPr id="2" name="Rectangle 1">
+              <a:extLst>
+                <a:ext uri="{FF2B5EF4-FFF2-40B4-BE49-F238E27FC236}">
+                  <a16:creationId xmlns:a16="http://schemas.microsoft.com/office/drawing/2014/main" id="{3C50E308-2D37-7D97-F3D1-7CD5A5B8AD89}"/>
+                </a:ext>
+              </a:extLst>
+            </p:cNvPr>
+            <p:cNvSpPr/>
+            <p:nvPr/>
+          </p:nvSpPr>
+          <p:spPr>
+            <a:xfrm>
+              <a:off x="2705100" y="3765550"/>
+              <a:ext cx="1016000" cy="173039"/>
+            </a:xfrm>
+            <a:prstGeom prst="rect">
+              <a:avLst/>
+            </a:prstGeom>
+            <a:ln>
+              <a:noFill/>
+            </a:ln>
+          </p:spPr>
+          <p:style>
+            <a:lnRef idx="2">
+              <a:schemeClr val="dk1"/>
+            </a:lnRef>
+            <a:fillRef idx="1">
+              <a:schemeClr val="lt1"/>
+            </a:fillRef>
+            <a:effectRef idx="0">
+              <a:schemeClr val="dk1"/>
+            </a:effectRef>
+            <a:fontRef idx="minor">
+              <a:schemeClr val="dk1"/>
+            </a:fontRef>
+          </p:style>
+          <p:txBody>
+            <a:bodyPr rtlCol="0" anchor="ctr"/>
+            <a:lstStyle/>
+            <a:p>
+              <a:pPr algn="ctr"/>
+              <a:endParaRPr lang="en-US"/>
+            </a:p>
+          </p:txBody>
+        </p:sp>
+      </p:grpSp>
+      <p:grpSp>
+        <p:nvGrpSpPr>
+          <p:cNvPr id="8" name="Group 7">
+            <a:extLst>
+              <a:ext uri="{FF2B5EF4-FFF2-40B4-BE49-F238E27FC236}">
+                <a16:creationId xmlns:a16="http://schemas.microsoft.com/office/drawing/2014/main" id="{765B02F1-0F11-375B-130A-93C6EA3DC127}"/>
+              </a:ext>
+            </a:extLst>
+          </p:cNvPr>
+          <p:cNvGrpSpPr/>
+          <p:nvPr/>
+        </p:nvGrpSpPr>
+        <p:grpSpPr>
+          <a:xfrm>
+            <a:off x="1963860" y="1452929"/>
+            <a:ext cx="6419850" cy="322384"/>
+            <a:chOff x="1963860" y="3697410"/>
+            <a:chExt cx="6419850" cy="322384"/>
+          </a:xfrm>
+        </p:grpSpPr>
+        <p:pic>
+          <p:nvPicPr>
+            <p:cNvPr id="10" name="Picture 9">
+              <a:extLst>
+                <a:ext uri="{FF2B5EF4-FFF2-40B4-BE49-F238E27FC236}">
+                  <a16:creationId xmlns:a16="http://schemas.microsoft.com/office/drawing/2014/main" id="{6E10F802-D67F-AA42-1B47-403450FCDFD2}"/>
+                </a:ext>
+              </a:extLst>
+            </p:cNvPr>
+            <p:cNvPicPr>
+              <a:picLocks noChangeAspect="1"/>
+            </p:cNvPicPr>
+            <p:nvPr/>
+          </p:nvPicPr>
+          <p:blipFill rotWithShape="1">
+            <a:blip r:embed="rId3"/>
+            <a:srcRect t="-299" b="86921"/>
+            <a:stretch/>
+          </p:blipFill>
+          <p:spPr>
+            <a:xfrm>
+              <a:off x="1963860" y="3697410"/>
+              <a:ext cx="6419850" cy="322384"/>
+            </a:xfrm>
+            <a:prstGeom prst="rect">
+              <a:avLst/>
+            </a:prstGeom>
+          </p:spPr>
+        </p:pic>
+        <p:sp>
+          <p:nvSpPr>
+            <p:cNvPr id="11" name="Rectangle 10">
+              <a:extLst>
+                <a:ext uri="{FF2B5EF4-FFF2-40B4-BE49-F238E27FC236}">
+                  <a16:creationId xmlns:a16="http://schemas.microsoft.com/office/drawing/2014/main" id="{2F374FBE-1C09-13C2-6E28-CDCC41B560C3}"/>
+                </a:ext>
+              </a:extLst>
+            </p:cNvPr>
+            <p:cNvSpPr/>
+            <p:nvPr/>
+          </p:nvSpPr>
+          <p:spPr>
+            <a:xfrm>
+              <a:off x="2705100" y="3765550"/>
+              <a:ext cx="1016000" cy="173039"/>
+            </a:xfrm>
+            <a:prstGeom prst="rect">
+              <a:avLst/>
+            </a:prstGeom>
+            <a:ln>
+              <a:noFill/>
+            </a:ln>
+          </p:spPr>
+          <p:style>
+            <a:lnRef idx="2">
+              <a:schemeClr val="dk1"/>
+            </a:lnRef>
+            <a:fillRef idx="1">
+              <a:schemeClr val="lt1"/>
+            </a:fillRef>
+            <a:effectRef idx="0">
+              <a:schemeClr val="dk1"/>
+            </a:effectRef>
+            <a:fontRef idx="minor">
+              <a:schemeClr val="dk1"/>
+            </a:fontRef>
+          </p:style>
+          <p:txBody>
+            <a:bodyPr rtlCol="0" anchor="ctr"/>
+            <a:lstStyle/>
+            <a:p>
+              <a:pPr algn="ctr"/>
+              <a:endParaRPr lang="en-US"/>
+            </a:p>
+          </p:txBody>
+        </p:sp>
+      </p:grpSp>
+      <p:pic>
+        <p:nvPicPr>
+          <p:cNvPr id="12" name="Picture 11">
+            <a:extLst>
+              <a:ext uri="{FF2B5EF4-FFF2-40B4-BE49-F238E27FC236}">
+                <a16:creationId xmlns:a16="http://schemas.microsoft.com/office/drawing/2014/main" id="{B65D38CC-70A6-30F7-6E1A-78FBA11951DA}"/>
+              </a:ext>
+            </a:extLst>
+          </p:cNvPr>
+          <p:cNvPicPr>
+            <a:picLocks noChangeAspect="1"/>
+          </p:cNvPicPr>
+          <p:nvPr/>
+        </p:nvPicPr>
+        <p:blipFill rotWithShape="1">
+          <a:blip r:embed="rId3"/>
+          <a:srcRect t="88476"/>
+          <a:stretch/>
+        </p:blipFill>
+        <p:spPr>
+          <a:xfrm>
+            <a:off x="1963860" y="4957396"/>
+            <a:ext cx="6419850" cy="277691"/>
+          </a:xfrm>
+          <a:prstGeom prst="rect">
+            <a:avLst/>
+          </a:prstGeom>
+        </p:spPr>
+      </p:pic>
+      <p:pic>
+        <p:nvPicPr>
+          <p:cNvPr id="14" name="Picture 13">
+            <a:extLst>
+              <a:ext uri="{FF2B5EF4-FFF2-40B4-BE49-F238E27FC236}">
+                <a16:creationId xmlns:a16="http://schemas.microsoft.com/office/drawing/2014/main" id="{C28C297C-1344-2B7C-5B86-8FA4C93F5F1F}"/>
+              </a:ext>
+            </a:extLst>
+          </p:cNvPr>
+          <p:cNvPicPr>
+            <a:picLocks noChangeAspect="1"/>
+          </p:cNvPicPr>
+          <p:nvPr/>
+        </p:nvPicPr>
+        <p:blipFill rotWithShape="1">
+          <a:blip r:embed="rId3"/>
+          <a:srcRect t="88476"/>
+          <a:stretch/>
+        </p:blipFill>
+        <p:spPr>
+          <a:xfrm>
+            <a:off x="1963860" y="2632499"/>
+            <a:ext cx="6419850" cy="277691"/>
+          </a:xfrm>
+          <a:prstGeom prst="rect">
+            <a:avLst/>
+          </a:prstGeom>
+        </p:spPr>
+      </p:pic>
+    </p:spTree>
+    <p:extLst>
+      <p:ext uri="{BB962C8B-B14F-4D97-AF65-F5344CB8AC3E}">
+        <p14:creationId xmlns:p14="http://schemas.microsoft.com/office/powerpoint/2010/main" val="2893910922"/>
+      </p:ext>
+    </p:extLst>
+  </p:cSld>
+  <p:clrMapOvr>
+    <a:masterClrMapping/>
+  </p:clrMapOvr>
+</p:sld>
+</file>
+
 <file path=ppt/theme/theme1.xml><?xml version="1.0" encoding="utf-8"?>
 <a:theme xmlns:a="http://schemas.openxmlformats.org/drawingml/2006/main" name="Office Theme">
   <a:themeElements>
